--- a/pub/Council/Agenda2011Aug2-3/ED_to_Council_Jul_2011.pptx
+++ b/pub/Council/Agenda2011Aug2-3/ED_to_Council_Jul_2011.pptx
@@ -5,10 +5,10 @@
     <p:sldMasterId id="2147483692" r:id="rId1"/>
   </p:sldMasterIdLst>
   <p:notesMasterIdLst>
-    <p:notesMasterId r:id="rId30"/>
+    <p:notesMasterId r:id="rId29"/>
   </p:notesMasterIdLst>
   <p:handoutMasterIdLst>
-    <p:handoutMasterId r:id="rId31"/>
+    <p:handoutMasterId r:id="rId30"/>
   </p:handoutMasterIdLst>
   <p:sldIdLst>
     <p:sldId id="283" r:id="rId2"/>
@@ -18,27 +18,26 @@
     <p:sldId id="275" r:id="rId6"/>
     <p:sldId id="276" r:id="rId7"/>
     <p:sldId id="277" r:id="rId8"/>
-    <p:sldId id="284" r:id="rId9"/>
-    <p:sldId id="272" r:id="rId10"/>
-    <p:sldId id="264" r:id="rId11"/>
-    <p:sldId id="265" r:id="rId12"/>
-    <p:sldId id="266" r:id="rId13"/>
-    <p:sldId id="267" r:id="rId14"/>
-    <p:sldId id="270" r:id="rId15"/>
-    <p:sldId id="271" r:id="rId16"/>
-    <p:sldId id="269" r:id="rId17"/>
-    <p:sldId id="292" r:id="rId18"/>
-    <p:sldId id="286" r:id="rId19"/>
-    <p:sldId id="287" r:id="rId20"/>
-    <p:sldId id="288" r:id="rId21"/>
-    <p:sldId id="290" r:id="rId22"/>
-    <p:sldId id="289" r:id="rId23"/>
-    <p:sldId id="291" r:id="rId24"/>
-    <p:sldId id="280" r:id="rId25"/>
-    <p:sldId id="278" r:id="rId26"/>
-    <p:sldId id="279" r:id="rId27"/>
-    <p:sldId id="281" r:id="rId28"/>
-    <p:sldId id="285" r:id="rId29"/>
+    <p:sldId id="272" r:id="rId9"/>
+    <p:sldId id="264" r:id="rId10"/>
+    <p:sldId id="265" r:id="rId11"/>
+    <p:sldId id="266" r:id="rId12"/>
+    <p:sldId id="267" r:id="rId13"/>
+    <p:sldId id="270" r:id="rId14"/>
+    <p:sldId id="271" r:id="rId15"/>
+    <p:sldId id="269" r:id="rId16"/>
+    <p:sldId id="292" r:id="rId17"/>
+    <p:sldId id="286" r:id="rId18"/>
+    <p:sldId id="287" r:id="rId19"/>
+    <p:sldId id="288" r:id="rId20"/>
+    <p:sldId id="290" r:id="rId21"/>
+    <p:sldId id="289" r:id="rId22"/>
+    <p:sldId id="291" r:id="rId23"/>
+    <p:sldId id="280" r:id="rId24"/>
+    <p:sldId id="278" r:id="rId25"/>
+    <p:sldId id="279" r:id="rId26"/>
+    <p:sldId id="281" r:id="rId27"/>
+    <p:sldId id="285" r:id="rId28"/>
   </p:sldIdLst>
   <p:sldSz cx="9144000" cy="6858000" type="screen4x3"/>
   <p:notesSz cx="7010400" cy="9296400"/>
@@ -3960,13 +3959,7 @@
               <a:rPr lang="en-US" sz="2800" dirty="0" smtClean="0">
                 <a:cs typeface="+mj-cs"/>
               </a:rPr>
-              <a:t> 2011, Ruth </a:t>
-            </a:r>
-            <a:r>
-              <a:rPr lang="en-US" sz="2800" dirty="0" smtClean="0">
-                <a:cs typeface="+mj-cs"/>
-              </a:rPr>
-              <a:t>Pordes</a:t>
+              <a:t> 2011, Ruth Pordes</a:t>
             </a:r>
           </a:p>
           <a:p>
@@ -4047,120 +4040,6 @@
           <a:p>
             <a:r>
               <a:rPr lang="en-US" dirty="0" smtClean="0"/>
-              <a:t>Response from ASCR:</a:t>
-            </a:r>
-            <a:endParaRPr lang="en-US" dirty="0"/>
-          </a:p>
-        </p:txBody>
-      </p:sp>
-      <p:pic>
-        <p:nvPicPr>
-          <p:cNvPr id="5" name="Content Placeholder 4" descr="Screen shot 2011-07-29 at 11.23.43 PM.png"/>
-          <p:cNvPicPr>
-            <a:picLocks noGrp="1" noChangeAspect="1"/>
-          </p:cNvPicPr>
-          <p:nvPr>
-            <p:ph idx="1"/>
-          </p:nvPr>
-        </p:nvPicPr>
-        <p:blipFill>
-          <a:blip r:embed="rId2">
-            <a:extLst>
-              <a:ext uri="{28A0092B-C50C-407E-A947-70E740481C1C}">
-                <a14:useLocalDpi xmlns:a14="http://schemas.microsoft.com/office/drawing/2010/main" val="0"/>
-              </a:ext>
-            </a:extLst>
-          </a:blip>
-          <a:srcRect t="12110" b="12110"/>
-          <a:stretch>
-            <a:fillRect/>
-          </a:stretch>
-        </p:blipFill>
-        <p:spPr/>
-      </p:pic>
-      <p:sp>
-        <p:nvSpPr>
-          <p:cNvPr id="4" name="Slide Number Placeholder 3"/>
-          <p:cNvSpPr>
-            <a:spLocks noGrp="1"/>
-          </p:cNvSpPr>
-          <p:nvPr>
-            <p:ph type="sldNum" sz="quarter" idx="10"/>
-          </p:nvPr>
-        </p:nvSpPr>
-        <p:spPr/>
-        <p:txBody>
-          <a:bodyPr/>
-          <a:lstStyle/>
-          <a:p>
-            <a:pPr>
-              <a:defRPr/>
-            </a:pPr>
-            <a:fld id="{038AB4BC-D760-449D-A975-B1B41586F3D1}" type="slidenum">
-              <a:rPr lang="en-US" smtClean="0"/>
-              <a:pPr>
-                <a:defRPr/>
-              </a:pPr>
-              <a:t>10</a:t>
-            </a:fld>
-            <a:endParaRPr lang="en-US" dirty="0"/>
-          </a:p>
-        </p:txBody>
-      </p:sp>
-    </p:spTree>
-    <p:extLst>
-      <p:ext uri="{BB962C8B-B14F-4D97-AF65-F5344CB8AC3E}">
-        <p14:creationId xmlns:p14="http://schemas.microsoft.com/office/powerpoint/2010/main" val="525525374"/>
-      </p:ext>
-    </p:extLst>
-  </p:cSld>
-  <p:clrMapOvr>
-    <a:masterClrMapping/>
-  </p:clrMapOvr>
-  <p:timing>
-    <p:tnLst>
-      <p:par>
-        <p:cTn xmlns:p14="http://schemas.microsoft.com/office/powerpoint/2010/main" id="1" dur="indefinite" restart="never" nodeType="tmRoot"/>
-      </p:par>
-    </p:tnLst>
-  </p:timing>
-</p:sld>
-</file>
-
-<file path=ppt/slides/slide11.xml><?xml version="1.0" encoding="utf-8"?>
-<p:sld xmlns:a="http://schemas.openxmlformats.org/drawingml/2006/main" xmlns:r="http://schemas.openxmlformats.org/officeDocument/2006/relationships" xmlns:p="http://schemas.openxmlformats.org/presentationml/2006/main">
-  <p:cSld>
-    <p:spTree>
-      <p:nvGrpSpPr>
-        <p:cNvPr id="1" name=""/>
-        <p:cNvGrpSpPr/>
-        <p:nvPr/>
-      </p:nvGrpSpPr>
-      <p:grpSpPr>
-        <a:xfrm>
-          <a:off x="0" y="0"/>
-          <a:ext cx="0" cy="0"/>
-          <a:chOff x="0" y="0"/>
-          <a:chExt cx="0" cy="0"/>
-        </a:xfrm>
-      </p:grpSpPr>
-      <p:sp>
-        <p:nvSpPr>
-          <p:cNvPr id="2" name="Title 1"/>
-          <p:cNvSpPr>
-            <a:spLocks noGrp="1"/>
-          </p:cNvSpPr>
-          <p:nvPr>
-            <p:ph type="title"/>
-          </p:nvPr>
-        </p:nvSpPr>
-        <p:spPr/>
-        <p:txBody>
-          <a:bodyPr/>
-          <a:lstStyle/>
-          <a:p>
-            <a:r>
-              <a:rPr lang="en-US" dirty="0" smtClean="0"/>
               <a:t>Effort breakdown in OSG Proposal</a:t>
             </a:r>
             <a:endParaRPr lang="en-US" dirty="0"/>
@@ -4209,7 +4088,7 @@
               <a:pPr>
                 <a:defRPr/>
               </a:pPr>
-              <a:t>11</a:t>
+              <a:t>10</a:t>
             </a:fld>
             <a:endParaRPr lang="en-US" dirty="0"/>
           </a:p>
@@ -4265,7 +4144,7 @@
 </p:sld>
 </file>
 
-<file path=ppt/slides/slide12.xml><?xml version="1.0" encoding="utf-8"?>
+<file path=ppt/slides/slide11.xml><?xml version="1.0" encoding="utf-8"?>
 <p:sld xmlns:a="http://schemas.openxmlformats.org/drawingml/2006/main" xmlns:r="http://schemas.openxmlformats.org/officeDocument/2006/relationships" xmlns:p="http://schemas.openxmlformats.org/presentationml/2006/main">
   <p:cSld>
     <p:spTree>
@@ -4353,7 +4232,7 @@
               <a:pPr>
                 <a:defRPr/>
               </a:pPr>
-              <a:t>12</a:t>
+              <a:t>11</a:t>
             </a:fld>
             <a:endParaRPr lang="en-US" dirty="0"/>
           </a:p>
@@ -4379,7 +4258,7 @@
 </p:sld>
 </file>
 
-<file path=ppt/slides/slide13.xml><?xml version="1.0" encoding="utf-8"?>
+<file path=ppt/slides/slide12.xml><?xml version="1.0" encoding="utf-8"?>
 <p:sld xmlns:a="http://schemas.openxmlformats.org/drawingml/2006/main" xmlns:r="http://schemas.openxmlformats.org/officeDocument/2006/relationships" xmlns:p="http://schemas.openxmlformats.org/presentationml/2006/main">
   <p:cSld>
     <p:spTree>
@@ -4431,8 +4310,8 @@
         </p:nvSpPr>
         <p:spPr>
           <a:xfrm>
-            <a:off x="774700" y="1333500"/>
-            <a:ext cx="3683000" cy="4686300"/>
+            <a:off x="317500" y="1333500"/>
+            <a:ext cx="4495800" cy="4686300"/>
           </a:xfrm>
         </p:spPr>
         <p:txBody>
@@ -4444,7 +4323,23 @@
             </a:pPr>
             <a:r>
               <a:rPr lang="en-US" sz="2000" dirty="0" smtClean="0"/>
-              <a:t>Energetic Staff retreat last week in Madison. </a:t>
+              <a:t>Energetic Staff retreat last week in Madison. Preparation by project manager, </a:t>
+            </a:r>
+            <a:r>
+              <a:rPr lang="en-US" sz="2000" dirty="0" err="1" smtClean="0"/>
+              <a:t>Chander</a:t>
+            </a:r>
+            <a:r>
+              <a:rPr lang="en-US" sz="2000" dirty="0" smtClean="0"/>
+              <a:t>, and attendance by all FY12 area coordinators + members &amp; </a:t>
+            </a:r>
+            <a:r>
+              <a:rPr lang="en-US" sz="2000" dirty="0" err="1" smtClean="0"/>
+              <a:t>delegees</a:t>
+            </a:r>
+            <a:r>
+              <a:rPr lang="en-US" sz="2000" dirty="0" smtClean="0"/>
+              <a:t> of  ET.</a:t>
             </a:r>
             <a:endParaRPr lang="en-US" sz="2000" dirty="0"/>
           </a:p>
@@ -4452,7 +4347,7 @@
             <a:pPr marL="0" indent="0">
               <a:buNone/>
             </a:pPr>
-            <a:endParaRPr lang="en-US" sz="2000" dirty="0"/>
+            <a:endParaRPr lang="en-US" sz="2000" dirty="0" smtClean="0"/>
           </a:p>
           <a:p>
             <a:pPr marL="0" indent="0">
@@ -4460,40 +4355,23 @@
             </a:pPr>
             <a:r>
               <a:rPr lang="en-US" sz="2000" dirty="0" smtClean="0"/>
-              <a:t>Preparation </a:t>
+              <a:t>Planning is for 6 months of FY12 at 28.85 FTEs. Some staff reduction from FY11 – Doug Olson, Robert Engel, transition at NCSA, </a:t>
+            </a:r>
+            <a:r>
+              <a:rPr lang="en-US" sz="2000" dirty="0" err="1" smtClean="0"/>
+              <a:t>Uwisc</a:t>
             </a:r>
             <a:r>
               <a:rPr lang="en-US" sz="2000" dirty="0" smtClean="0"/>
-              <a:t>by project manager, </a:t>
-            </a:r>
-            <a:r>
-              <a:rPr lang="en-US" sz="2000" dirty="0" err="1" smtClean="0"/>
-              <a:t>Chander</a:t>
+              <a:t> Madison.</a:t>
+            </a:r>
+            <a:r>
+              <a:rPr lang="en-US" sz="2000" dirty="0"/>
+              <a:t> </a:t>
             </a:r>
             <a:r>
               <a:rPr lang="en-US" sz="2000" dirty="0" smtClean="0"/>
-              <a:t>, and attendance by all FY12 area coordinators +</a:t>
-            </a:r>
-          </a:p>
-          <a:p>
-            <a:pPr marL="0" indent="0">
-              <a:buNone/>
-            </a:pPr>
-            <a:r>
-              <a:rPr lang="en-US" sz="2000" dirty="0"/>
-              <a:t>M</a:t>
-            </a:r>
-            <a:r>
-              <a:rPr lang="en-US" sz="2000" dirty="0" smtClean="0"/>
-              <a:t>embers/</a:t>
-            </a:r>
-            <a:r>
-              <a:rPr lang="en-US" sz="2000" dirty="0" err="1" smtClean="0"/>
-              <a:t>delegees</a:t>
-            </a:r>
-            <a:r>
-              <a:rPr lang="en-US" sz="2000" dirty="0" smtClean="0"/>
-              <a:t> from ET.</a:t>
+              <a:t>No new staff  due to uncertainty in the funding.</a:t>
             </a:r>
           </a:p>
           <a:p>
@@ -4527,7 +4405,7 @@
               <a:pPr>
                 <a:defRPr/>
               </a:pPr>
-              <a:t>13</a:t>
+              <a:t>12</a:t>
             </a:fld>
             <a:endParaRPr lang="en-US" dirty="0"/>
           </a:p>
@@ -4583,7 +4461,7 @@
 </p:sld>
 </file>
 
-<file path=ppt/slides/slide14.xml><?xml version="1.0" encoding="utf-8"?>
+<file path=ppt/slides/slide13.xml><?xml version="1.0" encoding="utf-8"?>
 <p:sld xmlns:a="http://schemas.openxmlformats.org/drawingml/2006/main" xmlns:r="http://schemas.openxmlformats.org/officeDocument/2006/relationships" xmlns:p="http://schemas.openxmlformats.org/presentationml/2006/main">
   <p:cSld>
     <p:spTree>
@@ -4617,11 +4495,7 @@
           <a:p>
             <a:r>
               <a:rPr lang="en-US" dirty="0" smtClean="0"/>
-              <a:t>Reminder of the </a:t>
-            </a:r>
-            <a:r>
-              <a:rPr lang="en-US" dirty="0" smtClean="0"/>
-              <a:t>scope</a:t>
+              <a:t>Reminder of the scope</a:t>
             </a:r>
             <a:endParaRPr lang="en-US" dirty="0"/>
           </a:p>
@@ -4675,7 +4549,7 @@
             <a:fld id="{42D60AFA-4919-2A4E-9DB3-CE4864F31E30}" type="slidenum">
               <a:rPr lang="en-US" smtClean="0"/>
               <a:pPr/>
-              <a:t>14</a:t>
+              <a:t>13</a:t>
             </a:fld>
             <a:endParaRPr lang="en-US"/>
           </a:p>
@@ -4685,6 +4559,218 @@
     <p:extLst>
       <p:ext uri="{BB962C8B-B14F-4D97-AF65-F5344CB8AC3E}">
         <p14:creationId xmlns:p14="http://schemas.microsoft.com/office/powerpoint/2010/main" val="2524870596"/>
+      </p:ext>
+    </p:extLst>
+  </p:cSld>
+  <p:clrMapOvr>
+    <a:masterClrMapping/>
+  </p:clrMapOvr>
+  <p:timing>
+    <p:tnLst>
+      <p:par>
+        <p:cTn xmlns:p14="http://schemas.microsoft.com/office/powerpoint/2010/main" id="1" dur="indefinite" restart="never" nodeType="tmRoot"/>
+      </p:par>
+    </p:tnLst>
+  </p:timing>
+</p:sld>
+</file>
+
+<file path=ppt/slides/slide14.xml><?xml version="1.0" encoding="utf-8"?>
+<p:sld xmlns:a="http://schemas.openxmlformats.org/drawingml/2006/main" xmlns:r="http://schemas.openxmlformats.org/officeDocument/2006/relationships" xmlns:p="http://schemas.openxmlformats.org/presentationml/2006/main">
+  <p:cSld>
+    <p:spTree>
+      <p:nvGrpSpPr>
+        <p:cNvPr id="1" name=""/>
+        <p:cNvGrpSpPr/>
+        <p:nvPr/>
+      </p:nvGrpSpPr>
+      <p:grpSpPr>
+        <a:xfrm>
+          <a:off x="0" y="0"/>
+          <a:ext cx="0" cy="0"/>
+          <a:chOff x="0" y="0"/>
+          <a:chExt cx="0" cy="0"/>
+        </a:xfrm>
+      </p:grpSpPr>
+      <p:sp>
+        <p:nvSpPr>
+          <p:cNvPr id="2" name="Title 1"/>
+          <p:cNvSpPr>
+            <a:spLocks noGrp="1"/>
+          </p:cNvSpPr>
+          <p:nvPr>
+            <p:ph type="title"/>
+          </p:nvPr>
+        </p:nvSpPr>
+        <p:spPr/>
+        <p:txBody>
+          <a:bodyPr/>
+          <a:lstStyle/>
+          <a:p>
+            <a:r>
+              <a:rPr lang="en-US" dirty="0" smtClean="0"/>
+              <a:t>Future Challenges to Address</a:t>
+            </a:r>
+            <a:endParaRPr lang="en-US" dirty="0"/>
+          </a:p>
+        </p:txBody>
+      </p:sp>
+      <p:sp>
+        <p:nvSpPr>
+          <p:cNvPr id="3" name="Content Placeholder 2"/>
+          <p:cNvSpPr>
+            <a:spLocks noGrp="1"/>
+          </p:cNvSpPr>
+          <p:nvPr>
+            <p:ph idx="1"/>
+          </p:nvPr>
+        </p:nvSpPr>
+        <p:spPr/>
+        <p:txBody>
+          <a:bodyPr/>
+          <a:lstStyle/>
+          <a:p>
+            <a:pPr marL="400050" indent="-400050">
+              <a:buAutoNum type="romanLcParenBoth"/>
+            </a:pPr>
+            <a:r>
+              <a:rPr lang="en-US" sz="1600" dirty="0" smtClean="0"/>
+              <a:t>The </a:t>
+            </a:r>
+            <a:r>
+              <a:rPr lang="en-US" sz="1600" dirty="0"/>
+              <a:t>heterogeneity of the resource environment of OSG makes it difficult for smaller communities to operate successfully at a significant scale</a:t>
+            </a:r>
+            <a:r>
+              <a:rPr lang="en-US" sz="1600" dirty="0" smtClean="0"/>
+              <a:t>.</a:t>
+            </a:r>
+          </a:p>
+          <a:p>
+            <a:pPr marL="0" indent="0">
+              <a:buNone/>
+            </a:pPr>
+            <a:endParaRPr lang="en-US" sz="1600" dirty="0" smtClean="0"/>
+          </a:p>
+          <a:p>
+            <a:pPr marL="0" indent="0">
+              <a:buNone/>
+            </a:pPr>
+            <a:r>
+              <a:rPr lang="en-US" sz="1600" dirty="0" smtClean="0"/>
+              <a:t>EASY EFFECTIVE THROUGHPUT</a:t>
+            </a:r>
+            <a:endParaRPr lang="en-US" sz="1600" dirty="0"/>
+          </a:p>
+          <a:p>
+            <a:pPr marL="400050" indent="-400050">
+              <a:buAutoNum type="romanLcParenBoth"/>
+            </a:pPr>
+            <a:endParaRPr lang="en-US" sz="1600" dirty="0" smtClean="0"/>
+          </a:p>
+          <a:p>
+            <a:pPr marL="400050" indent="-400050">
+              <a:buAutoNum type="romanLcParenBoth"/>
+            </a:pPr>
+            <a:endParaRPr lang="en-US" sz="800" dirty="0" smtClean="0"/>
+          </a:p>
+          <a:p>
+            <a:pPr marL="400050" indent="-400050">
+              <a:buAutoNum type="romanLcParenBoth"/>
+            </a:pPr>
+            <a:r>
+              <a:rPr lang="en-US" sz="1600" dirty="0" smtClean="0"/>
+              <a:t>The </a:t>
+            </a:r>
+            <a:r>
+              <a:rPr lang="en-US" sz="1600" dirty="0"/>
+              <a:t>complexity of the grid certificate-based authorization infrastructure presents a non-negligible barrier of entry for smaller communities</a:t>
+            </a:r>
+            <a:r>
+              <a:rPr lang="en-US" sz="1600" dirty="0" smtClean="0"/>
+              <a:t>.</a:t>
+            </a:r>
+          </a:p>
+          <a:p>
+            <a:pPr marL="0" indent="0">
+              <a:buNone/>
+            </a:pPr>
+            <a:endParaRPr lang="en-US" sz="1600" dirty="0" smtClean="0"/>
+          </a:p>
+          <a:p>
+            <a:pPr marL="0" indent="0">
+              <a:buNone/>
+            </a:pPr>
+            <a:r>
+              <a:rPr lang="en-US" sz="1600" dirty="0" smtClean="0"/>
+              <a:t>URGENCY IN ABILITY TO START</a:t>
+            </a:r>
+          </a:p>
+          <a:p>
+            <a:pPr marL="0" indent="0">
+              <a:buNone/>
+            </a:pPr>
+            <a:endParaRPr lang="en-US" sz="1600" dirty="0" smtClean="0"/>
+          </a:p>
+          <a:p>
+            <a:pPr marL="400050" indent="-400050">
+              <a:buAutoNum type="romanLcParenBoth"/>
+            </a:pPr>
+            <a:r>
+              <a:rPr lang="en-US" sz="1600" dirty="0" smtClean="0"/>
+              <a:t>While </a:t>
+            </a:r>
+            <a:r>
+              <a:rPr lang="en-US" sz="1600" dirty="0"/>
+              <a:t>the LHC communities are moving petabytes worldwide, smaller communities find it exceedingly difficult to manage terabytes. Over the last 5 years we have seen this gap in capability grow rather than shrink. </a:t>
+            </a:r>
+            <a:endParaRPr lang="en-US" sz="1600" dirty="0" smtClean="0"/>
+          </a:p>
+          <a:p>
+            <a:pPr marL="400050" indent="-400050">
+              <a:buAutoNum type="romanLcParenBoth"/>
+            </a:pPr>
+            <a:endParaRPr lang="en-US" sz="1600" dirty="0"/>
+          </a:p>
+          <a:p>
+            <a:pPr marL="0" indent="0">
+              <a:buNone/>
+            </a:pPr>
+            <a:r>
+              <a:rPr lang="en-US" sz="1600" dirty="0" smtClean="0"/>
+              <a:t>ALL ASPECTS OF DATA HANDLING – MANAGEMENT, MOVEMENT, STORAGE</a:t>
+            </a:r>
+          </a:p>
+        </p:txBody>
+      </p:sp>
+      <p:sp>
+        <p:nvSpPr>
+          <p:cNvPr id="4" name="Slide Number Placeholder 3"/>
+          <p:cNvSpPr>
+            <a:spLocks noGrp="1"/>
+          </p:cNvSpPr>
+          <p:nvPr>
+            <p:ph type="sldNum" sz="quarter" idx="10"/>
+          </p:nvPr>
+        </p:nvSpPr>
+        <p:spPr/>
+        <p:txBody>
+          <a:bodyPr/>
+          <a:lstStyle/>
+          <a:p>
+            <a:fld id="{42D60AFA-4919-2A4E-9DB3-CE4864F31E30}" type="slidenum">
+              <a:rPr lang="en-US" smtClean="0"/>
+              <a:pPr/>
+              <a:t>14</a:t>
+            </a:fld>
+            <a:endParaRPr lang="en-US"/>
+          </a:p>
+        </p:txBody>
+      </p:sp>
+    </p:spTree>
+    <p:extLst>
+      <p:ext uri="{BB962C8B-B14F-4D97-AF65-F5344CB8AC3E}">
+        <p14:creationId xmlns:p14="http://schemas.microsoft.com/office/powerpoint/2010/main" val="3966579927"/>
       </p:ext>
     </p:extLst>
   </p:cSld>
@@ -4720,29 +4806,6 @@
       </p:grpSpPr>
       <p:sp>
         <p:nvSpPr>
-          <p:cNvPr id="2" name="Title 1"/>
-          <p:cNvSpPr>
-            <a:spLocks noGrp="1"/>
-          </p:cNvSpPr>
-          <p:nvPr>
-            <p:ph type="title"/>
-          </p:nvPr>
-        </p:nvSpPr>
-        <p:spPr/>
-        <p:txBody>
-          <a:bodyPr/>
-          <a:lstStyle/>
-          <a:p>
-            <a:r>
-              <a:rPr lang="en-US" dirty="0" smtClean="0"/>
-              <a:t>Future Challenges to Address</a:t>
-            </a:r>
-            <a:endParaRPr lang="en-US" dirty="0"/>
-          </a:p>
-        </p:txBody>
-      </p:sp>
-      <p:sp>
-        <p:nvSpPr>
           <p:cNvPr id="3" name="Content Placeholder 2"/>
           <p:cNvSpPr>
             <a:spLocks noGrp="1"/>
@@ -4751,120 +4814,175 @@
             <p:ph idx="1"/>
           </p:nvPr>
         </p:nvSpPr>
-        <p:spPr/>
+        <p:spPr>
+          <a:xfrm>
+            <a:off x="774700" y="1333500"/>
+            <a:ext cx="7772400" cy="5232400"/>
+          </a:xfrm>
+        </p:spPr>
         <p:txBody>
           <a:bodyPr/>
           <a:lstStyle/>
           <a:p>
-            <a:pPr marL="400050" indent="-400050">
-              <a:buAutoNum type="romanLcParenBoth"/>
-            </a:pPr>
-            <a:r>
-              <a:rPr lang="en-US" sz="1600" dirty="0" smtClean="0"/>
-              <a:t>The </a:t>
-            </a:r>
-            <a:r>
-              <a:rPr lang="en-US" sz="1600" dirty="0"/>
-              <a:t>heterogeneity of the resource environment of OSG makes it difficult for smaller communities to operate successfully at a significant scale</a:t>
-            </a:r>
-            <a:r>
-              <a:rPr lang="en-US" sz="1600" dirty="0" smtClean="0"/>
-              <a:t>.</a:t>
-            </a:r>
-          </a:p>
-          <a:p>
             <a:pPr marL="0" indent="0">
               <a:buNone/>
             </a:pPr>
-            <a:endParaRPr lang="en-US" sz="1600" dirty="0" smtClean="0"/>
+            <a:r>
+              <a:rPr lang="en-US" dirty="0" smtClean="0"/>
+              <a:t>Things I am looking for:</a:t>
+            </a:r>
           </a:p>
           <a:p>
             <a:pPr marL="0" indent="0">
               <a:buNone/>
             </a:pPr>
             <a:r>
-              <a:rPr lang="en-US" sz="1600" dirty="0" smtClean="0"/>
-              <a:t>EASY EFFECTIVE THROUGHPUT</a:t>
-            </a:r>
-            <a:endParaRPr lang="en-US" sz="1600" dirty="0"/>
-          </a:p>
-          <a:p>
-            <a:pPr marL="400050" indent="-400050">
-              <a:buAutoNum type="romanLcParenBoth"/>
-            </a:pPr>
-            <a:endParaRPr lang="en-US" sz="1600" dirty="0" smtClean="0"/>
-          </a:p>
-          <a:p>
-            <a:pPr marL="400050" indent="-400050">
-              <a:buAutoNum type="romanLcParenBoth"/>
-            </a:pPr>
-            <a:endParaRPr lang="en-US" sz="800" dirty="0" smtClean="0"/>
-          </a:p>
-          <a:p>
-            <a:pPr marL="400050" indent="-400050">
-              <a:buAutoNum type="romanLcParenBoth"/>
-            </a:pPr>
-            <a:r>
-              <a:rPr lang="en-US" sz="1600" dirty="0" smtClean="0"/>
-              <a:t>The </a:t>
-            </a:r>
-            <a:r>
-              <a:rPr lang="en-US" sz="1600" dirty="0"/>
-              <a:t>complexity of the grid certificate-based authorization infrastructure presents a non-negligible barrier of entry for smaller communities</a:t>
-            </a:r>
-            <a:r>
-              <a:rPr lang="en-US" sz="1600" dirty="0" smtClean="0"/>
-              <a:t>.</a:t>
+              <a:rPr lang="en-US" dirty="0"/>
+              <a:t>	</a:t>
+            </a:r>
+            <a:r>
+              <a:rPr lang="en-US" sz="2000" dirty="0" smtClean="0"/>
+              <a:t>Sustain/nurture the WLCG</a:t>
             </a:r>
           </a:p>
           <a:p>
             <a:pPr marL="0" indent="0">
               <a:buNone/>
             </a:pPr>
-            <a:endParaRPr lang="en-US" sz="1600" dirty="0" smtClean="0"/>
+            <a:r>
+              <a:rPr lang="en-US" sz="2000" dirty="0"/>
+              <a:t>	</a:t>
+            </a:r>
+            <a:r>
+              <a:rPr lang="en-US" sz="2000" dirty="0" smtClean="0"/>
+              <a:t>Sustain/nurture our significant communities and partners. </a:t>
+            </a:r>
           </a:p>
           <a:p>
             <a:pPr marL="0" indent="0">
               <a:buNone/>
             </a:pPr>
             <a:r>
-              <a:rPr lang="en-US" sz="1600" dirty="0" smtClean="0"/>
-              <a:t>URGENCY IN ABILITY TO START</a:t>
+              <a:rPr lang="en-US" sz="2000" dirty="0"/>
+              <a:t>	</a:t>
+            </a:r>
+            <a:r>
+              <a:rPr lang="en-US" sz="2000" dirty="0" smtClean="0"/>
+              <a:t>Action on the Campuses</a:t>
             </a:r>
           </a:p>
           <a:p>
             <a:pPr marL="0" indent="0">
               <a:buNone/>
             </a:pPr>
-            <a:endParaRPr lang="en-US" sz="1600" dirty="0" smtClean="0"/>
-          </a:p>
-          <a:p>
-            <a:pPr marL="400050" indent="-400050">
-              <a:buAutoNum type="romanLcParenBoth"/>
-            </a:pPr>
-            <a:r>
-              <a:rPr lang="en-US" sz="1600" dirty="0" smtClean="0"/>
-              <a:t>While </a:t>
-            </a:r>
-            <a:r>
-              <a:rPr lang="en-US" sz="1600" dirty="0"/>
-              <a:t>the LHC communities are moving petabytes worldwide, smaller communities find it exceedingly difficult to manage terabytes. Over the last 5 years we have seen this gap in capability grow rather than shrink. </a:t>
-            </a:r>
-            <a:endParaRPr lang="en-US" sz="1600" dirty="0" smtClean="0"/>
-          </a:p>
-          <a:p>
-            <a:pPr marL="400050" indent="-400050">
-              <a:buAutoNum type="romanLcParenBoth"/>
-            </a:pPr>
-            <a:endParaRPr lang="en-US" sz="1600" dirty="0"/>
+            <a:r>
+              <a:rPr lang="en-US" sz="2000" dirty="0"/>
+              <a:t>	</a:t>
+            </a:r>
+            <a:r>
+              <a:rPr lang="en-US" sz="2000" dirty="0" smtClean="0"/>
+              <a:t>Action on the s/w – keep up, get back “into the lead”</a:t>
+            </a:r>
           </a:p>
           <a:p>
             <a:pPr marL="0" indent="0">
               <a:buNone/>
             </a:pPr>
             <a:r>
-              <a:rPr lang="en-US" sz="1600" dirty="0" smtClean="0"/>
-              <a:t>ALL ASPECTS OF DATA HANDLING – MANAGEMENT, MOVEMENT, STORAGE</a:t>
+              <a:rPr lang="en-US" sz="2000" dirty="0"/>
+              <a:t>	</a:t>
+            </a:r>
+            <a:r>
+              <a:rPr lang="en-US" sz="2000" dirty="0" smtClean="0"/>
+              <a:t>Requirements that “I can click on and understand”</a:t>
+            </a:r>
+          </a:p>
+          <a:p>
+            <a:pPr marL="0" indent="0">
+              <a:buNone/>
+            </a:pPr>
+            <a:r>
+              <a:rPr lang="en-US" sz="2000" dirty="0"/>
+              <a:t>	</a:t>
+            </a:r>
+            <a:r>
+              <a:rPr lang="en-US" sz="2000" dirty="0" smtClean="0"/>
+              <a:t>Assessment that “I can click on and understand”</a:t>
+            </a:r>
+          </a:p>
+          <a:p>
+            <a:pPr marL="0" indent="0">
+              <a:buNone/>
+            </a:pPr>
+            <a:r>
+              <a:rPr lang="en-US" sz="2000" dirty="0"/>
+              <a:t>	</a:t>
+            </a:r>
+            <a:r>
+              <a:rPr lang="en-US" sz="2000" dirty="0" smtClean="0"/>
+              <a:t>Appropriate peering with XSEDE</a:t>
+            </a:r>
+          </a:p>
+          <a:p>
+            <a:pPr marL="0" indent="0">
+              <a:buNone/>
+            </a:pPr>
+            <a:endParaRPr lang="en-US" sz="2000" dirty="0"/>
+          </a:p>
+          <a:p>
+            <a:pPr marL="0" indent="0">
+              <a:buNone/>
+            </a:pPr>
+            <a:r>
+              <a:rPr lang="en-US" sz="2000" dirty="0" smtClean="0"/>
+              <a:t>Items I will talk about today</a:t>
+            </a:r>
+          </a:p>
+          <a:p>
+            <a:pPr marL="0" indent="0">
+              <a:buNone/>
+            </a:pPr>
+            <a:r>
+              <a:rPr lang="en-US" sz="2000" dirty="0"/>
+              <a:t>	</a:t>
+            </a:r>
+            <a:r>
+              <a:rPr lang="en-US" sz="2000" dirty="0" smtClean="0"/>
+              <a:t>Allocations – first thoughts</a:t>
+            </a:r>
+          </a:p>
+          <a:p>
+            <a:pPr marL="0" indent="0">
+              <a:buNone/>
+            </a:pPr>
+            <a:r>
+              <a:rPr lang="en-US" sz="2000" dirty="0"/>
+              <a:t>	</a:t>
+            </a:r>
+            <a:r>
+              <a:rPr lang="en-US" sz="2000" dirty="0" smtClean="0"/>
+              <a:t>ID management – we are working with ESNET, Jim </a:t>
+            </a:r>
+            <a:r>
+              <a:rPr lang="en-US" sz="2000" dirty="0" err="1" smtClean="0"/>
+              <a:t>Basney</a:t>
+            </a:r>
+            <a:r>
+              <a:rPr lang="en-US" sz="2000" dirty="0" smtClean="0"/>
+              <a:t> (CILOGON) back as part of OSG. </a:t>
+            </a:r>
+          </a:p>
+          <a:p>
+            <a:pPr marL="0" indent="0">
+              <a:buNone/>
+            </a:pPr>
+            <a:r>
+              <a:rPr lang="en-US" sz="2000" dirty="0"/>
+              <a:t>	</a:t>
+            </a:r>
+            <a:r>
+              <a:rPr lang="en-US" sz="2000" dirty="0" smtClean="0"/>
+              <a:t>Software – full steam ahead to move fully to RPM packaged releases</a:t>
             </a:r>
           </a:p>
         </p:txBody>
@@ -4896,7 +5014,7 @@
     </p:spTree>
     <p:extLst>
       <p:ext uri="{BB962C8B-B14F-4D97-AF65-F5344CB8AC3E}">
-        <p14:creationId xmlns:p14="http://schemas.microsoft.com/office/powerpoint/2010/main" val="3966579927"/>
+        <p14:creationId xmlns:p14="http://schemas.microsoft.com/office/powerpoint/2010/main" val="2225652683"/>
       </p:ext>
     </p:extLst>
   </p:cSld>
@@ -4932,263 +5050,6 @@
       </p:grpSpPr>
       <p:sp>
         <p:nvSpPr>
-          <p:cNvPr id="3" name="Content Placeholder 2"/>
-          <p:cNvSpPr>
-            <a:spLocks noGrp="1"/>
-          </p:cNvSpPr>
-          <p:nvPr>
-            <p:ph idx="1"/>
-          </p:nvPr>
-        </p:nvSpPr>
-        <p:spPr>
-          <a:xfrm>
-            <a:off x="774700" y="1333500"/>
-            <a:ext cx="7772400" cy="5232400"/>
-          </a:xfrm>
-        </p:spPr>
-        <p:txBody>
-          <a:bodyPr/>
-          <a:lstStyle/>
-          <a:p>
-            <a:pPr marL="0" indent="0">
-              <a:buNone/>
-            </a:pPr>
-            <a:r>
-              <a:rPr lang="en-US" dirty="0" smtClean="0"/>
-              <a:t>Things I </a:t>
-            </a:r>
-            <a:r>
-              <a:rPr lang="en-US" dirty="0" smtClean="0"/>
-              <a:t>am </a:t>
-            </a:r>
-            <a:r>
-              <a:rPr lang="en-US" dirty="0" smtClean="0"/>
-              <a:t>looking for:</a:t>
-            </a:r>
-          </a:p>
-          <a:p>
-            <a:pPr marL="0" indent="0">
-              <a:buNone/>
-            </a:pPr>
-            <a:r>
-              <a:rPr lang="en-US" dirty="0"/>
-              <a:t>	</a:t>
-            </a:r>
-            <a:r>
-              <a:rPr lang="en-US" sz="2000" dirty="0" smtClean="0"/>
-              <a:t>Sustain/nurture the WLCG</a:t>
-            </a:r>
-          </a:p>
-          <a:p>
-            <a:pPr marL="0" indent="0">
-              <a:buNone/>
-            </a:pPr>
-            <a:r>
-              <a:rPr lang="en-US" sz="2000" dirty="0"/>
-              <a:t>	</a:t>
-            </a:r>
-            <a:r>
-              <a:rPr lang="en-US" sz="2000" dirty="0" smtClean="0"/>
-              <a:t>Sustain/nurture our significant communities and partners. </a:t>
-            </a:r>
-          </a:p>
-          <a:p>
-            <a:pPr marL="0" indent="0">
-              <a:buNone/>
-            </a:pPr>
-            <a:r>
-              <a:rPr lang="en-US" sz="2000" dirty="0"/>
-              <a:t>	</a:t>
-            </a:r>
-            <a:r>
-              <a:rPr lang="en-US" sz="2000" dirty="0" smtClean="0"/>
-              <a:t>Action on the Campuses</a:t>
-            </a:r>
-          </a:p>
-          <a:p>
-            <a:pPr marL="0" indent="0">
-              <a:buNone/>
-            </a:pPr>
-            <a:r>
-              <a:rPr lang="en-US" sz="2000" dirty="0"/>
-              <a:t>	</a:t>
-            </a:r>
-            <a:r>
-              <a:rPr lang="en-US" sz="2000" dirty="0" smtClean="0"/>
-              <a:t>Action on the s/w – keep up, get back “into the lead”</a:t>
-            </a:r>
-          </a:p>
-          <a:p>
-            <a:pPr marL="0" indent="0">
-              <a:buNone/>
-            </a:pPr>
-            <a:r>
-              <a:rPr lang="en-US" sz="2000" dirty="0"/>
-              <a:t>	</a:t>
-            </a:r>
-            <a:r>
-              <a:rPr lang="en-US" sz="2000" dirty="0" smtClean="0"/>
-              <a:t>Requirements that “I can click on and understand”</a:t>
-            </a:r>
-          </a:p>
-          <a:p>
-            <a:pPr marL="0" indent="0">
-              <a:buNone/>
-            </a:pPr>
-            <a:r>
-              <a:rPr lang="en-US" sz="2000" dirty="0"/>
-              <a:t>	</a:t>
-            </a:r>
-            <a:r>
-              <a:rPr lang="en-US" sz="2000" dirty="0" smtClean="0"/>
-              <a:t>Assessment that “I can click on and understand”</a:t>
-            </a:r>
-          </a:p>
-          <a:p>
-            <a:pPr marL="0" indent="0">
-              <a:buNone/>
-            </a:pPr>
-            <a:r>
-              <a:rPr lang="en-US" sz="2000" dirty="0"/>
-              <a:t>	</a:t>
-            </a:r>
-            <a:r>
-              <a:rPr lang="en-US" sz="2000" dirty="0" smtClean="0"/>
-              <a:t>Appropriate peering with </a:t>
-            </a:r>
-            <a:r>
-              <a:rPr lang="en-US" sz="2000" dirty="0" smtClean="0"/>
-              <a:t>XSEDE</a:t>
-            </a:r>
-          </a:p>
-          <a:p>
-            <a:pPr marL="0" indent="0">
-              <a:buNone/>
-            </a:pPr>
-            <a:endParaRPr lang="en-US" sz="2000" dirty="0"/>
-          </a:p>
-          <a:p>
-            <a:pPr marL="0" indent="0">
-              <a:buNone/>
-            </a:pPr>
-            <a:r>
-              <a:rPr lang="en-US" sz="2000" dirty="0" smtClean="0"/>
-              <a:t>Items I will talk about today</a:t>
-            </a:r>
-          </a:p>
-          <a:p>
-            <a:pPr marL="0" indent="0">
-              <a:buNone/>
-            </a:pPr>
-            <a:r>
-              <a:rPr lang="en-US" sz="2000" dirty="0"/>
-              <a:t>	</a:t>
-            </a:r>
-            <a:r>
-              <a:rPr lang="en-US" sz="2000" dirty="0" smtClean="0"/>
-              <a:t>Allocations – first thoughts</a:t>
-            </a:r>
-          </a:p>
-          <a:p>
-            <a:pPr marL="0" indent="0">
-              <a:buNone/>
-            </a:pPr>
-            <a:r>
-              <a:rPr lang="en-US" sz="2000" dirty="0"/>
-              <a:t>	</a:t>
-            </a:r>
-            <a:r>
-              <a:rPr lang="en-US" sz="2000" dirty="0" smtClean="0"/>
-              <a:t>ID management – we are working with ESNET, Jim </a:t>
-            </a:r>
-            <a:r>
-              <a:rPr lang="en-US" sz="2000" dirty="0" err="1" smtClean="0"/>
-              <a:t>Basney</a:t>
-            </a:r>
-            <a:r>
-              <a:rPr lang="en-US" sz="2000" dirty="0" smtClean="0"/>
-              <a:t> (CILOGON) back as part of OSG. </a:t>
-            </a:r>
-          </a:p>
-          <a:p>
-            <a:pPr marL="0" indent="0">
-              <a:buNone/>
-            </a:pPr>
-            <a:r>
-              <a:rPr lang="en-US" sz="2000" dirty="0"/>
-              <a:t>	</a:t>
-            </a:r>
-            <a:r>
-              <a:rPr lang="en-US" sz="2000" dirty="0" smtClean="0"/>
-              <a:t>Software – full steam ahead to move fully to RPM packaged releases</a:t>
-            </a:r>
-            <a:endParaRPr lang="en-US" sz="2000" dirty="0" smtClean="0"/>
-          </a:p>
-        </p:txBody>
-      </p:sp>
-      <p:sp>
-        <p:nvSpPr>
-          <p:cNvPr id="4" name="Slide Number Placeholder 3"/>
-          <p:cNvSpPr>
-            <a:spLocks noGrp="1"/>
-          </p:cNvSpPr>
-          <p:nvPr>
-            <p:ph type="sldNum" sz="quarter" idx="10"/>
-          </p:nvPr>
-        </p:nvSpPr>
-        <p:spPr/>
-        <p:txBody>
-          <a:bodyPr/>
-          <a:lstStyle/>
-          <a:p>
-            <a:fld id="{42D60AFA-4919-2A4E-9DB3-CE4864F31E30}" type="slidenum">
-              <a:rPr lang="en-US" smtClean="0"/>
-              <a:pPr/>
-              <a:t>16</a:t>
-            </a:fld>
-            <a:endParaRPr lang="en-US"/>
-          </a:p>
-        </p:txBody>
-      </p:sp>
-    </p:spTree>
-    <p:extLst>
-      <p:ext uri="{BB962C8B-B14F-4D97-AF65-F5344CB8AC3E}">
-        <p14:creationId xmlns:p14="http://schemas.microsoft.com/office/powerpoint/2010/main" val="2225652683"/>
-      </p:ext>
-    </p:extLst>
-  </p:cSld>
-  <p:clrMapOvr>
-    <a:masterClrMapping/>
-  </p:clrMapOvr>
-  <p:timing>
-    <p:tnLst>
-      <p:par>
-        <p:cTn xmlns:p14="http://schemas.microsoft.com/office/powerpoint/2010/main" id="1" dur="indefinite" restart="never" nodeType="tmRoot"/>
-      </p:par>
-    </p:tnLst>
-  </p:timing>
-</p:sld>
-</file>
-
-<file path=ppt/slides/slide17.xml><?xml version="1.0" encoding="utf-8"?>
-<p:sld xmlns:a="http://schemas.openxmlformats.org/drawingml/2006/main" xmlns:r="http://schemas.openxmlformats.org/officeDocument/2006/relationships" xmlns:p="http://schemas.openxmlformats.org/presentationml/2006/main">
-  <p:cSld>
-    <p:spTree>
-      <p:nvGrpSpPr>
-        <p:cNvPr id="1" name=""/>
-        <p:cNvGrpSpPr/>
-        <p:nvPr/>
-      </p:nvGrpSpPr>
-      <p:grpSpPr>
-        <a:xfrm>
-          <a:off x="0" y="0"/>
-          <a:ext cx="0" cy="0"/>
-          <a:chOff x="0" y="0"/>
-          <a:chExt cx="0" cy="0"/>
-        </a:xfrm>
-      </p:grpSpPr>
-      <p:sp>
-        <p:nvSpPr>
           <p:cNvPr id="2" name="Title 1"/>
           <p:cNvSpPr>
             <a:spLocks noGrp="1"/>
@@ -5209,11 +5070,7 @@
           <a:p>
             <a:r>
               <a:rPr lang="en-US" dirty="0" smtClean="0"/>
-              <a:t>Policies for Use of </a:t>
-            </a:r>
-            <a:r>
-              <a:rPr lang="en-US" smtClean="0"/>
-              <a:t>Opportunistic Resources</a:t>
+              <a:t>Policies for Use of Opportunistic Resources</a:t>
             </a:r>
             <a:endParaRPr lang="en-US" dirty="0"/>
           </a:p>
@@ -5242,7 +5099,7 @@
               <a:pPr>
                 <a:defRPr/>
               </a:pPr>
-              <a:t>17</a:t>
+              <a:t>16</a:t>
             </a:fld>
             <a:endParaRPr lang="en-US" dirty="0"/>
           </a:p>
@@ -5261,7 +5118,7 @@
 </p:sld>
 </file>
 
-<file path=ppt/slides/slide18.xml><?xml version="1.0" encoding="utf-8"?>
+<file path=ppt/slides/slide17.xml><?xml version="1.0" encoding="utf-8"?>
 <p:sld xmlns:a="http://schemas.openxmlformats.org/drawingml/2006/main" xmlns:r="http://schemas.openxmlformats.org/officeDocument/2006/relationships" xmlns:p="http://schemas.openxmlformats.org/presentationml/2006/main">
   <p:cSld>
     <p:spTree>
@@ -5352,7 +5209,7 @@
               <a:pPr>
                 <a:defRPr/>
               </a:pPr>
-              <a:t>18</a:t>
+              <a:t>17</a:t>
             </a:fld>
             <a:endParaRPr lang="en-US" dirty="0"/>
           </a:p>
@@ -5371,7 +5228,7 @@
 </p:sld>
 </file>
 
-<file path=ppt/slides/slide19.xml><?xml version="1.0" encoding="utf-8"?>
+<file path=ppt/slides/slide18.xml><?xml version="1.0" encoding="utf-8"?>
 <p:sld xmlns:a="http://schemas.openxmlformats.org/drawingml/2006/main" xmlns:r="http://schemas.openxmlformats.org/officeDocument/2006/relationships" xmlns:p="http://schemas.openxmlformats.org/presentationml/2006/main">
   <p:cSld>
     <p:spTree>
@@ -5458,7 +5315,7 @@
               <a:pPr>
                 <a:defRPr/>
               </a:pPr>
-              <a:t>19</a:t>
+              <a:t>18</a:t>
             </a:fld>
             <a:endParaRPr lang="en-US" dirty="0"/>
           </a:p>
@@ -5507,6 +5364,112 @@
 </p:sld>
 </file>
 
+<file path=ppt/slides/slide19.xml><?xml version="1.0" encoding="utf-8"?>
+<p:sld xmlns:a="http://schemas.openxmlformats.org/drawingml/2006/main" xmlns:r="http://schemas.openxmlformats.org/officeDocument/2006/relationships" xmlns:p="http://schemas.openxmlformats.org/presentationml/2006/main">
+  <p:cSld>
+    <p:spTree>
+      <p:nvGrpSpPr>
+        <p:cNvPr id="1" name=""/>
+        <p:cNvGrpSpPr/>
+        <p:nvPr/>
+      </p:nvGrpSpPr>
+      <p:grpSpPr>
+        <a:xfrm>
+          <a:off x="0" y="0"/>
+          <a:ext cx="0" cy="0"/>
+          <a:chOff x="0" y="0"/>
+          <a:chExt cx="0" cy="0"/>
+        </a:xfrm>
+      </p:grpSpPr>
+      <p:sp>
+        <p:nvSpPr>
+          <p:cNvPr id="2" name="Title 1"/>
+          <p:cNvSpPr>
+            <a:spLocks noGrp="1"/>
+          </p:cNvSpPr>
+          <p:nvPr>
+            <p:ph type="title"/>
+          </p:nvPr>
+        </p:nvSpPr>
+        <p:spPr/>
+        <p:txBody>
+          <a:bodyPr/>
+          <a:lstStyle/>
+          <a:p>
+            <a:endParaRPr lang="en-US"/>
+          </a:p>
+        </p:txBody>
+      </p:sp>
+      <p:pic>
+        <p:nvPicPr>
+          <p:cNvPr id="5" name="Content Placeholder 4" descr="economicModel-Allocations_Part10.pdf"/>
+          <p:cNvPicPr>
+            <a:picLocks noGrp="1" noChangeAspect="1"/>
+          </p:cNvPicPr>
+          <p:nvPr>
+            <p:ph idx="1"/>
+          </p:nvPr>
+        </p:nvPicPr>
+        <p:blipFill rotWithShape="1">
+          <a:blip r:embed="rId2">
+            <a:extLst>
+              <a:ext uri="{28A0092B-C50C-407E-A947-70E740481C1C}">
+                <a14:useLocalDpi xmlns:a14="http://schemas.microsoft.com/office/drawing/2010/main" val="0"/>
+              </a:ext>
+            </a:extLst>
+          </a:blip>
+          <a:srcRect t="1259" b="10986"/>
+          <a:stretch/>
+        </p:blipFill>
+        <p:spPr>
+          <a:xfrm>
+            <a:off x="254000" y="266700"/>
+            <a:ext cx="8801100" cy="5968066"/>
+          </a:xfrm>
+        </p:spPr>
+      </p:pic>
+      <p:sp>
+        <p:nvSpPr>
+          <p:cNvPr id="4" name="Slide Number Placeholder 3"/>
+          <p:cNvSpPr>
+            <a:spLocks noGrp="1"/>
+          </p:cNvSpPr>
+          <p:nvPr>
+            <p:ph type="sldNum" sz="quarter" idx="10"/>
+          </p:nvPr>
+        </p:nvSpPr>
+        <p:spPr/>
+        <p:txBody>
+          <a:bodyPr/>
+          <a:lstStyle/>
+          <a:p>
+            <a:pPr>
+              <a:defRPr/>
+            </a:pPr>
+            <a:fld id="{038AB4BC-D760-449D-A975-B1B41586F3D1}" type="slidenum">
+              <a:rPr lang="en-US" smtClean="0"/>
+              <a:pPr>
+                <a:defRPr/>
+              </a:pPr>
+              <a:t>19</a:t>
+            </a:fld>
+            <a:endParaRPr lang="en-US" dirty="0"/>
+          </a:p>
+        </p:txBody>
+      </p:sp>
+    </p:spTree>
+    <p:extLst>
+      <p:ext uri="{BB962C8B-B14F-4D97-AF65-F5344CB8AC3E}">
+        <p14:creationId xmlns:p14="http://schemas.microsoft.com/office/powerpoint/2010/main" val="3392101212"/>
+      </p:ext>
+    </p:extLst>
+  </p:cSld>
+  <p:clrMapOvr>
+    <a:masterClrMapping/>
+  </p:clrMapOvr>
+</p:sld>
+</file>
+
 <file path=ppt/slides/slide2.xml><?xml version="1.0" encoding="utf-8"?>
 <p:sld xmlns:a="http://schemas.openxmlformats.org/drawingml/2006/main" xmlns:r="http://schemas.openxmlformats.org/officeDocument/2006/relationships" xmlns:p="http://schemas.openxmlformats.org/presentationml/2006/main">
   <p:cSld>
@@ -5553,34 +5516,6 @@
           </a:p>
         </p:txBody>
       </p:sp>
-      <p:pic>
-        <p:nvPicPr>
-          <p:cNvPr id="10" name="Content Placeholder 9" descr="Screen shot 2011-07-05 at 7.14.48 AM.png"/>
-          <p:cNvPicPr>
-            <a:picLocks noGrp="1" noChangeAspect="1"/>
-          </p:cNvPicPr>
-          <p:nvPr>
-            <p:ph idx="1"/>
-          </p:nvPr>
-        </p:nvPicPr>
-        <p:blipFill rotWithShape="1">
-          <a:blip r:embed="rId2">
-            <a:extLst>
-              <a:ext uri="{28A0092B-C50C-407E-A947-70E740481C1C}">
-                <a14:useLocalDpi xmlns:a14="http://schemas.microsoft.com/office/drawing/2010/main" val="0"/>
-              </a:ext>
-            </a:extLst>
-          </a:blip>
-          <a:srcRect l="-11292" t="-1026" r="-10891" b="-2063"/>
-          <a:stretch/>
-        </p:blipFill>
-        <p:spPr>
-          <a:xfrm>
-            <a:off x="-211644" y="1299247"/>
-            <a:ext cx="4348330" cy="5558753"/>
-          </a:xfrm>
-        </p:spPr>
-      </p:pic>
       <p:sp>
         <p:nvSpPr>
           <p:cNvPr id="12" name="Title 1"/>
@@ -5828,6 +5763,34 @@
           </a:p>
         </p:txBody>
       </p:sp>
+      <p:pic>
+        <p:nvPicPr>
+          <p:cNvPr id="5" name="Content Placeholder 4" descr="Screen Shot 2011-08-02 at 9.27.11 AM.png"/>
+          <p:cNvPicPr>
+            <a:picLocks noGrp="1" noChangeAspect="1"/>
+          </p:cNvPicPr>
+          <p:nvPr>
+            <p:ph idx="1"/>
+          </p:nvPr>
+        </p:nvPicPr>
+        <p:blipFill rotWithShape="1">
+          <a:blip r:embed="rId2">
+            <a:extLst>
+              <a:ext uri="{28A0092B-C50C-407E-A947-70E740481C1C}">
+                <a14:useLocalDpi xmlns:a14="http://schemas.microsoft.com/office/drawing/2010/main" val="0"/>
+              </a:ext>
+            </a:extLst>
+          </a:blip>
+          <a:srcRect l="-1" t="-41697" r="1" b="-559"/>
+          <a:stretch/>
+        </p:blipFill>
+        <p:spPr>
+          <a:xfrm>
+            <a:off x="930274" y="-876300"/>
+            <a:ext cx="2867025" cy="7734300"/>
+          </a:xfrm>
+        </p:spPr>
+      </p:pic>
     </p:spTree>
     <p:extLst>
       <p:ext uri="{BB962C8B-B14F-4D97-AF65-F5344CB8AC3E}">
@@ -5875,43 +5838,24 @@
             <p:ph type="title"/>
           </p:nvPr>
         </p:nvSpPr>
-        <p:spPr/>
+        <p:spPr>
+          <a:xfrm>
+            <a:off x="914400" y="2819400"/>
+            <a:ext cx="6946900" cy="1143000"/>
+          </a:xfrm>
+        </p:spPr>
         <p:txBody>
           <a:bodyPr/>
           <a:lstStyle/>
           <a:p>
-            <a:endParaRPr lang="en-US"/>
+            <a:r>
+              <a:rPr lang="en-US" dirty="0" smtClean="0"/>
+              <a:t>ID Management</a:t>
+            </a:r>
+            <a:endParaRPr lang="en-US" dirty="0"/>
           </a:p>
         </p:txBody>
       </p:sp>
-      <p:pic>
-        <p:nvPicPr>
-          <p:cNvPr id="5" name="Content Placeholder 4" descr="economicModel-Allocations_Part10.pdf"/>
-          <p:cNvPicPr>
-            <a:picLocks noGrp="1" noChangeAspect="1"/>
-          </p:cNvPicPr>
-          <p:nvPr>
-            <p:ph idx="1"/>
-          </p:nvPr>
-        </p:nvPicPr>
-        <p:blipFill rotWithShape="1">
-          <a:blip r:embed="rId2">
-            <a:extLst>
-              <a:ext uri="{28A0092B-C50C-407E-A947-70E740481C1C}">
-                <a14:useLocalDpi xmlns:a14="http://schemas.microsoft.com/office/drawing/2010/main" val="0"/>
-              </a:ext>
-            </a:extLst>
-          </a:blip>
-          <a:srcRect t="1259" b="10986"/>
-          <a:stretch/>
-        </p:blipFill>
-        <p:spPr>
-          <a:xfrm>
-            <a:off x="254000" y="266700"/>
-            <a:ext cx="8801100" cy="5968066"/>
-          </a:xfrm>
-        </p:spPr>
-      </p:pic>
       <p:sp>
         <p:nvSpPr>
           <p:cNvPr id="4" name="Slide Number Placeholder 3"/>
@@ -5944,7 +5888,7 @@
     </p:spTree>
     <p:extLst>
       <p:ext uri="{BB962C8B-B14F-4D97-AF65-F5344CB8AC3E}">
-        <p14:creationId xmlns:p14="http://schemas.microsoft.com/office/powerpoint/2010/main" val="3392101212"/>
+        <p14:creationId xmlns:p14="http://schemas.microsoft.com/office/powerpoint/2010/main" val="3293551653"/>
       </p:ext>
     </p:extLst>
   </p:cSld>
@@ -5981,21 +5925,299 @@
             <p:ph type="title"/>
           </p:nvPr>
         </p:nvSpPr>
+        <p:spPr/>
+        <p:txBody>
+          <a:bodyPr/>
+          <a:lstStyle/>
+          <a:p>
+            <a:r>
+              <a:rPr lang="en-US" dirty="0" smtClean="0"/>
+              <a:t>ID Management</a:t>
+            </a:r>
+            <a:endParaRPr lang="en-US" dirty="0"/>
+          </a:p>
+        </p:txBody>
+      </p:sp>
+      <p:sp>
+        <p:nvSpPr>
+          <p:cNvPr id="3" name="Content Placeholder 2"/>
+          <p:cNvSpPr>
+            <a:spLocks noGrp="1"/>
+          </p:cNvSpPr>
+          <p:nvPr>
+            <p:ph idx="1"/>
+          </p:nvPr>
+        </p:nvSpPr>
         <p:spPr>
           <a:xfrm>
-            <a:off x="914400" y="2819400"/>
-            <a:ext cx="6946900" cy="1143000"/>
+            <a:off x="508000" y="1447800"/>
+            <a:ext cx="7772400" cy="4686300"/>
           </a:xfrm>
         </p:spPr>
         <p:txBody>
           <a:bodyPr/>
           <a:lstStyle/>
           <a:p>
+            <a:pPr marL="0" indent="0">
+              <a:buNone/>
+            </a:pPr>
             <a:r>
               <a:rPr lang="en-US" dirty="0" smtClean="0"/>
-              <a:t>ID Management</a:t>
+              <a:t>From proposal:</a:t>
             </a:r>
             <a:endParaRPr lang="en-US" dirty="0"/>
+          </a:p>
+          <a:p>
+            <a:pPr marL="0" indent="0">
+              <a:buNone/>
+            </a:pPr>
+            <a:r>
+              <a:rPr lang="en-US" sz="2000" dirty="0">
+                <a:solidFill>
+                  <a:srgbClr val="000080"/>
+                </a:solidFill>
+                <a:ea typeface="Consolas"/>
+                <a:cs typeface="Consolas"/>
+              </a:rPr>
+              <a:t>"We are the major customer for the </a:t>
+            </a:r>
+            <a:r>
+              <a:rPr lang="en-US" sz="2000" dirty="0" err="1">
+                <a:solidFill>
+                  <a:srgbClr val="000080"/>
+                </a:solidFill>
+                <a:ea typeface="Consolas"/>
+                <a:cs typeface="Consolas"/>
+              </a:rPr>
+              <a:t>ESNet</a:t>
+            </a:r>
+            <a:r>
+              <a:rPr lang="en-US" sz="2000" dirty="0">
+                <a:solidFill>
+                  <a:srgbClr val="000080"/>
+                </a:solidFill>
+                <a:ea typeface="Consolas"/>
+                <a:cs typeface="Consolas"/>
+              </a:rPr>
+              <a:t> DOE Grids Certificate </a:t>
+            </a:r>
+            <a:r>
+              <a:rPr lang="en-US" sz="2000" dirty="0" smtClean="0">
+                <a:solidFill>
+                  <a:srgbClr val="000080"/>
+                </a:solidFill>
+                <a:ea typeface="Consolas"/>
+                <a:cs typeface="Consolas"/>
+              </a:rPr>
+              <a:t>Authority</a:t>
+            </a:r>
+            <a:r>
+              <a:rPr lang="en-US" sz="2000" dirty="0">
+                <a:solidFill>
+                  <a:srgbClr val="000080"/>
+                </a:solidFill>
+                <a:ea typeface="Consolas"/>
+                <a:cs typeface="Consolas"/>
+              </a:rPr>
+              <a:t>. We are working together with </a:t>
+            </a:r>
+            <a:r>
+              <a:rPr lang="en-US" sz="2000" dirty="0" err="1">
+                <a:solidFill>
+                  <a:srgbClr val="000080"/>
+                </a:solidFill>
+                <a:ea typeface="Consolas"/>
+                <a:cs typeface="Consolas"/>
+              </a:rPr>
+              <a:t>ESNet</a:t>
+            </a:r>
+            <a:r>
+              <a:rPr lang="en-US" sz="2000" dirty="0">
+                <a:solidFill>
+                  <a:srgbClr val="000080"/>
+                </a:solidFill>
+                <a:ea typeface="Consolas"/>
+                <a:cs typeface="Consolas"/>
+              </a:rPr>
+              <a:t> and the NCSA </a:t>
+            </a:r>
+            <a:r>
+              <a:rPr lang="en-US" sz="2000" dirty="0" err="1" smtClean="0">
+                <a:solidFill>
+                  <a:srgbClr val="000080"/>
+                </a:solidFill>
+                <a:ea typeface="Consolas"/>
+                <a:cs typeface="Consolas"/>
+              </a:rPr>
+              <a:t>CILogon</a:t>
+            </a:r>
+            <a:r>
+              <a:rPr lang="en-US" sz="2000" dirty="0" smtClean="0">
+                <a:solidFill>
+                  <a:srgbClr val="000080"/>
+                </a:solidFill>
+                <a:ea typeface="Consolas"/>
+                <a:cs typeface="Consolas"/>
+              </a:rPr>
+              <a:t> project </a:t>
+            </a:r>
+            <a:r>
+              <a:rPr lang="en-US" sz="2000" dirty="0">
+                <a:solidFill>
+                  <a:srgbClr val="000080"/>
+                </a:solidFill>
+                <a:ea typeface="Consolas"/>
+                <a:cs typeface="Consolas"/>
+              </a:rPr>
+              <a:t>to chart a course for effective identity management across our </a:t>
+            </a:r>
+            <a:r>
+              <a:rPr lang="en-US" sz="2000" dirty="0" smtClean="0">
+                <a:solidFill>
+                  <a:srgbClr val="000080"/>
+                </a:solidFill>
+                <a:ea typeface="Consolas"/>
+                <a:cs typeface="Consolas"/>
+              </a:rPr>
+              <a:t>constituencies </a:t>
+            </a:r>
+            <a:r>
+              <a:rPr lang="en-US" sz="2000" dirty="0">
+                <a:solidFill>
+                  <a:srgbClr val="000080"/>
+                </a:solidFill>
+                <a:ea typeface="Consolas"/>
+                <a:cs typeface="Consolas"/>
+              </a:rPr>
+              <a:t>and possibly the broader DOE science community</a:t>
+            </a:r>
+            <a:r>
+              <a:rPr lang="en-US" sz="2000" dirty="0" smtClean="0">
+                <a:solidFill>
+                  <a:srgbClr val="000080"/>
+                </a:solidFill>
+                <a:ea typeface="Consolas"/>
+                <a:cs typeface="Consolas"/>
+              </a:rPr>
+              <a:t>.”</a:t>
+            </a:r>
+          </a:p>
+          <a:p>
+            <a:pPr marL="0" indent="0">
+              <a:buNone/>
+            </a:pPr>
+            <a:endParaRPr lang="en-US" dirty="0">
+              <a:solidFill>
+                <a:srgbClr val="000080"/>
+              </a:solidFill>
+              <a:ea typeface="Consolas"/>
+              <a:cs typeface="Consolas"/>
+            </a:endParaRPr>
+          </a:p>
+          <a:p>
+            <a:pPr marL="0" indent="0">
+              <a:buNone/>
+            </a:pPr>
+            <a:r>
+              <a:rPr lang="en-US" dirty="0" smtClean="0">
+                <a:solidFill>
+                  <a:srgbClr val="000080"/>
+                </a:solidFill>
+                <a:ea typeface="Consolas"/>
+                <a:cs typeface="Consolas"/>
+              </a:rPr>
+              <a:t>Status:</a:t>
+            </a:r>
+          </a:p>
+          <a:p>
+            <a:pPr marL="0" indent="0">
+              <a:buNone/>
+            </a:pPr>
+            <a:r>
+              <a:rPr lang="en-US" dirty="0">
+                <a:solidFill>
+                  <a:srgbClr val="000080"/>
+                </a:solidFill>
+                <a:ea typeface="Consolas"/>
+                <a:cs typeface="Consolas"/>
+              </a:rPr>
+              <a:t>	</a:t>
+            </a:r>
+            <a:r>
+              <a:rPr lang="en-US" sz="2000" dirty="0" smtClean="0">
+                <a:solidFill>
+                  <a:srgbClr val="000080"/>
+                </a:solidFill>
+                <a:ea typeface="Consolas"/>
+                <a:cs typeface="Consolas"/>
+              </a:rPr>
+              <a:t>Series of meeting towards paper defining the problem. </a:t>
+            </a:r>
+          </a:p>
+          <a:p>
+            <a:pPr marL="0" indent="0">
+              <a:buNone/>
+            </a:pPr>
+            <a:r>
+              <a:rPr lang="en-US" sz="2000" dirty="0" smtClean="0">
+                <a:solidFill>
+                  <a:srgbClr val="000080"/>
+                </a:solidFill>
+                <a:ea typeface="Consolas"/>
+                <a:cs typeface="Consolas"/>
+              </a:rPr>
+              <a:t>	Initial tests with Clemson </a:t>
+            </a:r>
+            <a:r>
+              <a:rPr lang="en-US" sz="2000" dirty="0" err="1" smtClean="0">
+                <a:solidFill>
+                  <a:srgbClr val="000080"/>
+                </a:solidFill>
+                <a:ea typeface="Consolas"/>
+                <a:cs typeface="Consolas"/>
+              </a:rPr>
+              <a:t>Shib</a:t>
+            </a:r>
+            <a:r>
+              <a:rPr lang="en-US" sz="2000" dirty="0" smtClean="0">
+                <a:solidFill>
+                  <a:srgbClr val="000080"/>
+                </a:solidFill>
+                <a:ea typeface="Consolas"/>
+                <a:cs typeface="Consolas"/>
+              </a:rPr>
+              <a:t> IDP and CILOGON successful earlier this year. </a:t>
+            </a:r>
+          </a:p>
+          <a:p>
+            <a:pPr marL="0" indent="0">
+              <a:buNone/>
+            </a:pPr>
+            <a:r>
+              <a:rPr lang="en-US" sz="2000" dirty="0">
+                <a:solidFill>
+                  <a:srgbClr val="000080"/>
+                </a:solidFill>
+                <a:ea typeface="Consolas"/>
+                <a:cs typeface="Consolas"/>
+              </a:rPr>
+              <a:t>	</a:t>
+            </a:r>
+            <a:r>
+              <a:rPr lang="en-US" sz="2000" dirty="0" smtClean="0">
+                <a:solidFill>
+                  <a:srgbClr val="000080"/>
+                </a:solidFill>
+                <a:ea typeface="Consolas"/>
+                <a:cs typeface="Consolas"/>
+              </a:rPr>
+              <a:t>Next steps in testing integration of CILOGON with OSG services starting now.</a:t>
+            </a:r>
+            <a:endParaRPr lang="en-US" sz="2000" dirty="0">
+              <a:solidFill>
+                <a:srgbClr val="000080"/>
+              </a:solidFill>
+            </a:endParaRPr>
           </a:p>
         </p:txBody>
       </p:sp>
@@ -6031,7 +6253,7 @@
     </p:spTree>
     <p:extLst>
       <p:ext uri="{BB962C8B-B14F-4D97-AF65-F5344CB8AC3E}">
-        <p14:creationId xmlns:p14="http://schemas.microsoft.com/office/powerpoint/2010/main" val="3293551653"/>
+        <p14:creationId xmlns:p14="http://schemas.microsoft.com/office/powerpoint/2010/main" val="725776401"/>
       </p:ext>
     </p:extLst>
   </p:cSld>
@@ -6068,299 +6290,21 @@
             <p:ph type="title"/>
           </p:nvPr>
         </p:nvSpPr>
-        <p:spPr/>
-        <p:txBody>
-          <a:bodyPr/>
-          <a:lstStyle/>
-          <a:p>
-            <a:r>
-              <a:rPr lang="en-US" dirty="0" smtClean="0"/>
-              <a:t>ID Management</a:t>
-            </a:r>
-            <a:endParaRPr lang="en-US" dirty="0"/>
-          </a:p>
-        </p:txBody>
-      </p:sp>
-      <p:sp>
-        <p:nvSpPr>
-          <p:cNvPr id="3" name="Content Placeholder 2"/>
-          <p:cNvSpPr>
-            <a:spLocks noGrp="1"/>
-          </p:cNvSpPr>
-          <p:nvPr>
-            <p:ph idx="1"/>
-          </p:nvPr>
-        </p:nvSpPr>
         <p:spPr>
           <a:xfrm>
-            <a:off x="508000" y="1447800"/>
-            <a:ext cx="7772400" cy="4686300"/>
+            <a:off x="914400" y="2819400"/>
+            <a:ext cx="6946900" cy="1143000"/>
           </a:xfrm>
         </p:spPr>
         <p:txBody>
           <a:bodyPr/>
           <a:lstStyle/>
           <a:p>
-            <a:pPr marL="0" indent="0">
-              <a:buNone/>
-            </a:pPr>
             <a:r>
               <a:rPr lang="en-US" dirty="0" smtClean="0"/>
-              <a:t>From proposal:</a:t>
+              <a:t>Software</a:t>
             </a:r>
             <a:endParaRPr lang="en-US" dirty="0"/>
-          </a:p>
-          <a:p>
-            <a:pPr marL="0" indent="0">
-              <a:buNone/>
-            </a:pPr>
-            <a:r>
-              <a:rPr lang="en-US" sz="2000" dirty="0">
-                <a:solidFill>
-                  <a:srgbClr val="000080"/>
-                </a:solidFill>
-                <a:ea typeface="Consolas"/>
-                <a:cs typeface="Consolas"/>
-              </a:rPr>
-              <a:t>"We are the major customer for the </a:t>
-            </a:r>
-            <a:r>
-              <a:rPr lang="en-US" sz="2000" dirty="0" err="1">
-                <a:solidFill>
-                  <a:srgbClr val="000080"/>
-                </a:solidFill>
-                <a:ea typeface="Consolas"/>
-                <a:cs typeface="Consolas"/>
-              </a:rPr>
-              <a:t>ESNet</a:t>
-            </a:r>
-            <a:r>
-              <a:rPr lang="en-US" sz="2000" dirty="0">
-                <a:solidFill>
-                  <a:srgbClr val="000080"/>
-                </a:solidFill>
-                <a:ea typeface="Consolas"/>
-                <a:cs typeface="Consolas"/>
-              </a:rPr>
-              <a:t> DOE Grids Certificate </a:t>
-            </a:r>
-            <a:r>
-              <a:rPr lang="en-US" sz="2000" dirty="0" smtClean="0">
-                <a:solidFill>
-                  <a:srgbClr val="000080"/>
-                </a:solidFill>
-                <a:ea typeface="Consolas"/>
-                <a:cs typeface="Consolas"/>
-              </a:rPr>
-              <a:t>Authority</a:t>
-            </a:r>
-            <a:r>
-              <a:rPr lang="en-US" sz="2000" dirty="0">
-                <a:solidFill>
-                  <a:srgbClr val="000080"/>
-                </a:solidFill>
-                <a:ea typeface="Consolas"/>
-                <a:cs typeface="Consolas"/>
-              </a:rPr>
-              <a:t>. We are working together with </a:t>
-            </a:r>
-            <a:r>
-              <a:rPr lang="en-US" sz="2000" dirty="0" err="1">
-                <a:solidFill>
-                  <a:srgbClr val="000080"/>
-                </a:solidFill>
-                <a:ea typeface="Consolas"/>
-                <a:cs typeface="Consolas"/>
-              </a:rPr>
-              <a:t>ESNet</a:t>
-            </a:r>
-            <a:r>
-              <a:rPr lang="en-US" sz="2000" dirty="0">
-                <a:solidFill>
-                  <a:srgbClr val="000080"/>
-                </a:solidFill>
-                <a:ea typeface="Consolas"/>
-                <a:cs typeface="Consolas"/>
-              </a:rPr>
-              <a:t> and the NCSA </a:t>
-            </a:r>
-            <a:r>
-              <a:rPr lang="en-US" sz="2000" dirty="0" err="1" smtClean="0">
-                <a:solidFill>
-                  <a:srgbClr val="000080"/>
-                </a:solidFill>
-                <a:ea typeface="Consolas"/>
-                <a:cs typeface="Consolas"/>
-              </a:rPr>
-              <a:t>CILogon</a:t>
-            </a:r>
-            <a:r>
-              <a:rPr lang="en-US" sz="2000" dirty="0" smtClean="0">
-                <a:solidFill>
-                  <a:srgbClr val="000080"/>
-                </a:solidFill>
-                <a:ea typeface="Consolas"/>
-                <a:cs typeface="Consolas"/>
-              </a:rPr>
-              <a:t> project </a:t>
-            </a:r>
-            <a:r>
-              <a:rPr lang="en-US" sz="2000" dirty="0">
-                <a:solidFill>
-                  <a:srgbClr val="000080"/>
-                </a:solidFill>
-                <a:ea typeface="Consolas"/>
-                <a:cs typeface="Consolas"/>
-              </a:rPr>
-              <a:t>to chart a course for effective identity management across our </a:t>
-            </a:r>
-            <a:r>
-              <a:rPr lang="en-US" sz="2000" dirty="0" smtClean="0">
-                <a:solidFill>
-                  <a:srgbClr val="000080"/>
-                </a:solidFill>
-                <a:ea typeface="Consolas"/>
-                <a:cs typeface="Consolas"/>
-              </a:rPr>
-              <a:t>constituencies </a:t>
-            </a:r>
-            <a:r>
-              <a:rPr lang="en-US" sz="2000" dirty="0">
-                <a:solidFill>
-                  <a:srgbClr val="000080"/>
-                </a:solidFill>
-                <a:ea typeface="Consolas"/>
-                <a:cs typeface="Consolas"/>
-              </a:rPr>
-              <a:t>and possibly the broader DOE science community</a:t>
-            </a:r>
-            <a:r>
-              <a:rPr lang="en-US" sz="2000" dirty="0" smtClean="0">
-                <a:solidFill>
-                  <a:srgbClr val="000080"/>
-                </a:solidFill>
-                <a:ea typeface="Consolas"/>
-                <a:cs typeface="Consolas"/>
-              </a:rPr>
-              <a:t>.”</a:t>
-            </a:r>
-          </a:p>
-          <a:p>
-            <a:pPr marL="0" indent="0">
-              <a:buNone/>
-            </a:pPr>
-            <a:endParaRPr lang="en-US" dirty="0">
-              <a:solidFill>
-                <a:srgbClr val="000080"/>
-              </a:solidFill>
-              <a:ea typeface="Consolas"/>
-              <a:cs typeface="Consolas"/>
-            </a:endParaRPr>
-          </a:p>
-          <a:p>
-            <a:pPr marL="0" indent="0">
-              <a:buNone/>
-            </a:pPr>
-            <a:r>
-              <a:rPr lang="en-US" dirty="0" smtClean="0">
-                <a:solidFill>
-                  <a:srgbClr val="000080"/>
-                </a:solidFill>
-                <a:ea typeface="Consolas"/>
-                <a:cs typeface="Consolas"/>
-              </a:rPr>
-              <a:t>Status:</a:t>
-            </a:r>
-          </a:p>
-          <a:p>
-            <a:pPr marL="0" indent="0">
-              <a:buNone/>
-            </a:pPr>
-            <a:r>
-              <a:rPr lang="en-US" dirty="0">
-                <a:solidFill>
-                  <a:srgbClr val="000080"/>
-                </a:solidFill>
-                <a:ea typeface="Consolas"/>
-                <a:cs typeface="Consolas"/>
-              </a:rPr>
-              <a:t>	</a:t>
-            </a:r>
-            <a:r>
-              <a:rPr lang="en-US" sz="2000" dirty="0" smtClean="0">
-                <a:solidFill>
-                  <a:srgbClr val="000080"/>
-                </a:solidFill>
-                <a:ea typeface="Consolas"/>
-                <a:cs typeface="Consolas"/>
-              </a:rPr>
-              <a:t>Series of meeting towards paper defining the problem. </a:t>
-            </a:r>
-          </a:p>
-          <a:p>
-            <a:pPr marL="0" indent="0">
-              <a:buNone/>
-            </a:pPr>
-            <a:r>
-              <a:rPr lang="en-US" sz="2000" dirty="0" smtClean="0">
-                <a:solidFill>
-                  <a:srgbClr val="000080"/>
-                </a:solidFill>
-                <a:ea typeface="Consolas"/>
-                <a:cs typeface="Consolas"/>
-              </a:rPr>
-              <a:t>	Initial tests with Clemson </a:t>
-            </a:r>
-            <a:r>
-              <a:rPr lang="en-US" sz="2000" dirty="0" err="1" smtClean="0">
-                <a:solidFill>
-                  <a:srgbClr val="000080"/>
-                </a:solidFill>
-                <a:ea typeface="Consolas"/>
-                <a:cs typeface="Consolas"/>
-              </a:rPr>
-              <a:t>Shib</a:t>
-            </a:r>
-            <a:r>
-              <a:rPr lang="en-US" sz="2000" dirty="0" smtClean="0">
-                <a:solidFill>
-                  <a:srgbClr val="000080"/>
-                </a:solidFill>
-                <a:ea typeface="Consolas"/>
-                <a:cs typeface="Consolas"/>
-              </a:rPr>
-              <a:t> IDP and CILOGON successful earlier this year. </a:t>
-            </a:r>
-          </a:p>
-          <a:p>
-            <a:pPr marL="0" indent="0">
-              <a:buNone/>
-            </a:pPr>
-            <a:r>
-              <a:rPr lang="en-US" sz="2000" dirty="0">
-                <a:solidFill>
-                  <a:srgbClr val="000080"/>
-                </a:solidFill>
-                <a:ea typeface="Consolas"/>
-                <a:cs typeface="Consolas"/>
-              </a:rPr>
-              <a:t>	</a:t>
-            </a:r>
-            <a:r>
-              <a:rPr lang="en-US" sz="2000" dirty="0" smtClean="0">
-                <a:solidFill>
-                  <a:srgbClr val="000080"/>
-                </a:solidFill>
-                <a:ea typeface="Consolas"/>
-                <a:cs typeface="Consolas"/>
-              </a:rPr>
-              <a:t>Next steps in testing integration of CILOGON with OSG services starting now.</a:t>
-            </a:r>
-            <a:endParaRPr lang="en-US" sz="2000" dirty="0">
-              <a:solidFill>
-                <a:srgbClr val="000080"/>
-              </a:solidFill>
-            </a:endParaRPr>
           </a:p>
         </p:txBody>
       </p:sp>
@@ -6396,7 +6340,7 @@
     </p:spTree>
     <p:extLst>
       <p:ext uri="{BB962C8B-B14F-4D97-AF65-F5344CB8AC3E}">
-        <p14:creationId xmlns:p14="http://schemas.microsoft.com/office/powerpoint/2010/main" val="725776401"/>
+        <p14:creationId xmlns:p14="http://schemas.microsoft.com/office/powerpoint/2010/main" val="787749339"/>
       </p:ext>
     </p:extLst>
   </p:cSld>
@@ -6433,20 +6377,124 @@
             <p:ph type="title"/>
           </p:nvPr>
         </p:nvSpPr>
+        <p:spPr/>
+        <p:txBody>
+          <a:bodyPr/>
+          <a:lstStyle/>
+          <a:p>
+            <a:r>
+              <a:rPr lang="en-US" dirty="0" smtClean="0"/>
+              <a:t>Focus on Software short term</a:t>
+            </a:r>
+            <a:endParaRPr lang="en-US" dirty="0"/>
+          </a:p>
+        </p:txBody>
+      </p:sp>
+      <p:sp>
+        <p:nvSpPr>
+          <p:cNvPr id="3" name="Content Placeholder 2"/>
+          <p:cNvSpPr>
+            <a:spLocks noGrp="1"/>
+          </p:cNvSpPr>
+          <p:nvPr>
+            <p:ph idx="1"/>
+          </p:nvPr>
+        </p:nvSpPr>
         <p:spPr>
           <a:xfrm>
-            <a:off x="914400" y="2819400"/>
-            <a:ext cx="6946900" cy="1143000"/>
+            <a:off x="774700" y="1333500"/>
+            <a:ext cx="7772400" cy="5118100"/>
           </a:xfrm>
         </p:spPr>
         <p:txBody>
           <a:bodyPr/>
           <a:lstStyle/>
           <a:p>
+            <a:pPr marL="0" indent="0">
+              <a:buNone/>
+            </a:pPr>
             <a:r>
               <a:rPr lang="en-US" dirty="0" smtClean="0"/>
-              <a:t>Software</a:t>
-            </a:r>
+              <a:t>As you know there is a major push to transition from </a:t>
+            </a:r>
+            <a:r>
+              <a:rPr lang="en-US" dirty="0" err="1" smtClean="0"/>
+              <a:t>Pacman</a:t>
+            </a:r>
+            <a:r>
+              <a:rPr lang="en-US" dirty="0" smtClean="0"/>
+              <a:t> based s/w releases to fully RPM based.</a:t>
+            </a:r>
+          </a:p>
+          <a:p>
+            <a:pPr marL="0" indent="0">
+              <a:buNone/>
+            </a:pPr>
+            <a:endParaRPr lang="en-US" dirty="0" smtClean="0"/>
+          </a:p>
+          <a:p>
+            <a:pPr marL="0" indent="0">
+              <a:buNone/>
+            </a:pPr>
+            <a:r>
+              <a:rPr lang="en-US" dirty="0" smtClean="0"/>
+              <a:t>Some parts of the release already done via RPMS: LIGO,  most of the Storage Software, SE.</a:t>
+            </a:r>
+          </a:p>
+          <a:p>
+            <a:pPr marL="0" indent="0">
+              <a:buNone/>
+            </a:pPr>
+            <a:endParaRPr lang="en-US" dirty="0"/>
+          </a:p>
+          <a:p>
+            <a:pPr marL="0" indent="0">
+              <a:buNone/>
+            </a:pPr>
+            <a:r>
+              <a:rPr lang="en-US" dirty="0" smtClean="0"/>
+              <a:t>GT Gram2 will not be supported in the RPM release.</a:t>
+            </a:r>
+          </a:p>
+          <a:p>
+            <a:pPr marL="0" indent="0">
+              <a:buNone/>
+            </a:pPr>
+            <a:endParaRPr lang="en-US" dirty="0" smtClean="0"/>
+          </a:p>
+          <a:p>
+            <a:pPr marL="0" indent="0">
+              <a:buNone/>
+            </a:pPr>
+            <a:r>
+              <a:rPr lang="en-US" dirty="0" smtClean="0"/>
+              <a:t>GT5 and Cream will be supported in the RPM release.</a:t>
+            </a:r>
+          </a:p>
+          <a:p>
+            <a:pPr marL="0" indent="0">
+              <a:buNone/>
+            </a:pPr>
+            <a:endParaRPr lang="en-US" dirty="0"/>
+          </a:p>
+          <a:p>
+            <a:pPr marL="0" indent="0">
+              <a:buNone/>
+            </a:pPr>
+            <a:r>
+              <a:rPr lang="en-US" dirty="0" smtClean="0"/>
+              <a:t>Activity to understand </a:t>
+            </a:r>
+            <a:r>
+              <a:rPr lang="en-US" dirty="0" err="1" smtClean="0"/>
+              <a:t>Bestman</a:t>
+            </a:r>
+            <a:r>
+              <a:rPr lang="en-US" dirty="0" smtClean="0"/>
+              <a:t> support past March 2012 is ongoing.</a:t>
+            </a:r>
+          </a:p>
+          <a:p>
             <a:endParaRPr lang="en-US" dirty="0"/>
           </a:p>
         </p:txBody>
@@ -6483,13 +6531,20 @@
     </p:spTree>
     <p:extLst>
       <p:ext uri="{BB962C8B-B14F-4D97-AF65-F5344CB8AC3E}">
-        <p14:creationId xmlns:p14="http://schemas.microsoft.com/office/powerpoint/2010/main" val="787749339"/>
+        <p14:creationId xmlns:p14="http://schemas.microsoft.com/office/powerpoint/2010/main" val="2636906242"/>
       </p:ext>
     </p:extLst>
   </p:cSld>
   <p:clrMapOvr>
     <a:masterClrMapping/>
   </p:clrMapOvr>
+  <p:timing>
+    <p:tnLst>
+      <p:par>
+        <p:cTn xmlns:p14="http://schemas.microsoft.com/office/powerpoint/2010/main" id="1" dur="indefinite" restart="never" nodeType="tmRoot"/>
+      </p:par>
+    </p:tnLst>
+  </p:timing>
 </p:sld>
 </file>
 
@@ -6527,121 +6582,40 @@
           <a:p>
             <a:r>
               <a:rPr lang="en-US" dirty="0" smtClean="0"/>
-              <a:t>Focus on Software short term</a:t>
+              <a:t>Software – Moving to RPM based distribution</a:t>
             </a:r>
             <a:endParaRPr lang="en-US" dirty="0"/>
           </a:p>
         </p:txBody>
       </p:sp>
-      <p:sp>
-        <p:nvSpPr>
-          <p:cNvPr id="3" name="Content Placeholder 2"/>
-          <p:cNvSpPr>
-            <a:spLocks noGrp="1"/>
-          </p:cNvSpPr>
+      <p:pic>
+        <p:nvPicPr>
+          <p:cNvPr id="5" name="Content Placeholder 4" descr="Screen shot 2011-07-30 at 10.51.43 AM.png"/>
+          <p:cNvPicPr>
+            <a:picLocks noGrp="1" noChangeAspect="1"/>
+          </p:cNvPicPr>
           <p:nvPr>
             <p:ph idx="1"/>
           </p:nvPr>
-        </p:nvSpPr>
+        </p:nvPicPr>
+        <p:blipFill rotWithShape="1">
+          <a:blip r:embed="rId2">
+            <a:extLst>
+              <a:ext uri="{28A0092B-C50C-407E-A947-70E740481C1C}">
+                <a14:useLocalDpi xmlns:a14="http://schemas.microsoft.com/office/drawing/2010/main" val="0"/>
+              </a:ext>
+            </a:extLst>
+          </a:blip>
+          <a:srcRect l="4304" r="7819"/>
+          <a:stretch/>
+        </p:blipFill>
         <p:spPr>
           <a:xfrm>
-            <a:off x="774700" y="1333500"/>
-            <a:ext cx="7772400" cy="5118100"/>
+            <a:off x="1205364" y="1473200"/>
+            <a:ext cx="7087736" cy="3505200"/>
           </a:xfrm>
         </p:spPr>
-        <p:txBody>
-          <a:bodyPr/>
-          <a:lstStyle/>
-          <a:p>
-            <a:pPr marL="0" indent="0">
-              <a:buNone/>
-            </a:pPr>
-            <a:r>
-              <a:rPr lang="en-US" dirty="0" smtClean="0"/>
-              <a:t>As you know there is a major push to transition from </a:t>
-            </a:r>
-            <a:r>
-              <a:rPr lang="en-US" dirty="0" err="1" smtClean="0"/>
-              <a:t>Pacman</a:t>
-            </a:r>
-            <a:r>
-              <a:rPr lang="en-US" dirty="0" smtClean="0"/>
-              <a:t> based s/w releases to fully RPM based.</a:t>
-            </a:r>
-          </a:p>
-          <a:p>
-            <a:pPr marL="0" indent="0">
-              <a:buNone/>
-            </a:pPr>
-            <a:endParaRPr lang="en-US" dirty="0" smtClean="0"/>
-          </a:p>
-          <a:p>
-            <a:pPr marL="0" indent="0">
-              <a:buNone/>
-            </a:pPr>
-            <a:r>
-              <a:rPr lang="en-US" dirty="0" smtClean="0"/>
-              <a:t>Some parts of the release already done via RPMS: LIGO,  most of the Storage Software, SE.</a:t>
-            </a:r>
-          </a:p>
-          <a:p>
-            <a:pPr marL="0" indent="0">
-              <a:buNone/>
-            </a:pPr>
-            <a:endParaRPr lang="en-US" dirty="0"/>
-          </a:p>
-          <a:p>
-            <a:pPr marL="0" indent="0">
-              <a:buNone/>
-            </a:pPr>
-            <a:r>
-              <a:rPr lang="en-US" dirty="0" smtClean="0"/>
-              <a:t>GT Gram2 will not be supported in the RPM release.</a:t>
-            </a:r>
-          </a:p>
-          <a:p>
-            <a:pPr marL="0" indent="0">
-              <a:buNone/>
-            </a:pPr>
-            <a:endParaRPr lang="en-US" dirty="0" smtClean="0"/>
-          </a:p>
-          <a:p>
-            <a:pPr marL="0" indent="0">
-              <a:buNone/>
-            </a:pPr>
-            <a:r>
-              <a:rPr lang="en-US" dirty="0" smtClean="0"/>
-              <a:t>GT5 and Cream will be supported in the RPM release.</a:t>
-            </a:r>
-          </a:p>
-          <a:p>
-            <a:pPr marL="0" indent="0">
-              <a:buNone/>
-            </a:pPr>
-            <a:endParaRPr lang="en-US" dirty="0"/>
-          </a:p>
-          <a:p>
-            <a:pPr marL="0" indent="0">
-              <a:buNone/>
-            </a:pPr>
-            <a:r>
-              <a:rPr lang="en-US" dirty="0" smtClean="0"/>
-              <a:t>Activity to understand </a:t>
-            </a:r>
-            <a:r>
-              <a:rPr lang="en-US" dirty="0" err="1" smtClean="0"/>
-              <a:t>Bestman</a:t>
-            </a:r>
-            <a:r>
-              <a:rPr lang="en-US" dirty="0" smtClean="0"/>
-              <a:t> support past March 2012 is ongoing.</a:t>
-            </a:r>
-          </a:p>
-          <a:p>
-            <a:endParaRPr lang="en-US" dirty="0"/>
-          </a:p>
-        </p:txBody>
-      </p:sp>
+      </p:pic>
       <p:sp>
         <p:nvSpPr>
           <p:cNvPr id="4" name="Slide Number Placeholder 3"/>
@@ -6674,7 +6648,7 @@
     </p:spTree>
     <p:extLst>
       <p:ext uri="{BB962C8B-B14F-4D97-AF65-F5344CB8AC3E}">
-        <p14:creationId xmlns:p14="http://schemas.microsoft.com/office/powerpoint/2010/main" val="2636906242"/>
+        <p14:creationId xmlns:p14="http://schemas.microsoft.com/office/powerpoint/2010/main" val="2396128506"/>
       </p:ext>
     </p:extLst>
   </p:cSld>
@@ -6723,123 +6697,6 @@
           <a:bodyPr/>
           <a:lstStyle/>
           <a:p>
-            <a:r>
-              <a:rPr lang="en-US" dirty="0" smtClean="0"/>
-              <a:t>Software – Moving to RPM based distribution</a:t>
-            </a:r>
-            <a:endParaRPr lang="en-US" dirty="0"/>
-          </a:p>
-        </p:txBody>
-      </p:sp>
-      <p:pic>
-        <p:nvPicPr>
-          <p:cNvPr id="5" name="Content Placeholder 4" descr="Screen shot 2011-07-30 at 10.51.43 AM.png"/>
-          <p:cNvPicPr>
-            <a:picLocks noGrp="1" noChangeAspect="1"/>
-          </p:cNvPicPr>
-          <p:nvPr>
-            <p:ph idx="1"/>
-          </p:nvPr>
-        </p:nvPicPr>
-        <p:blipFill rotWithShape="1">
-          <a:blip r:embed="rId2">
-            <a:extLst>
-              <a:ext uri="{28A0092B-C50C-407E-A947-70E740481C1C}">
-                <a14:useLocalDpi xmlns:a14="http://schemas.microsoft.com/office/drawing/2010/main" val="0"/>
-              </a:ext>
-            </a:extLst>
-          </a:blip>
-          <a:srcRect l="4304" r="7819"/>
-          <a:stretch/>
-        </p:blipFill>
-        <p:spPr>
-          <a:xfrm>
-            <a:off x="1205364" y="1473200"/>
-            <a:ext cx="7087736" cy="3505200"/>
-          </a:xfrm>
-        </p:spPr>
-      </p:pic>
-      <p:sp>
-        <p:nvSpPr>
-          <p:cNvPr id="4" name="Slide Number Placeholder 3"/>
-          <p:cNvSpPr>
-            <a:spLocks noGrp="1"/>
-          </p:cNvSpPr>
-          <p:nvPr>
-            <p:ph type="sldNum" sz="quarter" idx="10"/>
-          </p:nvPr>
-        </p:nvSpPr>
-        <p:spPr/>
-        <p:txBody>
-          <a:bodyPr/>
-          <a:lstStyle/>
-          <a:p>
-            <a:pPr>
-              <a:defRPr/>
-            </a:pPr>
-            <a:fld id="{038AB4BC-D760-449D-A975-B1B41586F3D1}" type="slidenum">
-              <a:rPr lang="en-US" smtClean="0"/>
-              <a:pPr>
-                <a:defRPr/>
-              </a:pPr>
-              <a:t>25</a:t>
-            </a:fld>
-            <a:endParaRPr lang="en-US" dirty="0"/>
-          </a:p>
-        </p:txBody>
-      </p:sp>
-    </p:spTree>
-    <p:extLst>
-      <p:ext uri="{BB962C8B-B14F-4D97-AF65-F5344CB8AC3E}">
-        <p14:creationId xmlns:p14="http://schemas.microsoft.com/office/powerpoint/2010/main" val="2396128506"/>
-      </p:ext>
-    </p:extLst>
-  </p:cSld>
-  <p:clrMapOvr>
-    <a:masterClrMapping/>
-  </p:clrMapOvr>
-  <p:timing>
-    <p:tnLst>
-      <p:par>
-        <p:cTn xmlns:p14="http://schemas.microsoft.com/office/powerpoint/2010/main" id="1" dur="indefinite" restart="never" nodeType="tmRoot"/>
-      </p:par>
-    </p:tnLst>
-  </p:timing>
-</p:sld>
-</file>
-
-<file path=ppt/slides/slide26.xml><?xml version="1.0" encoding="utf-8"?>
-<p:sld xmlns:a="http://schemas.openxmlformats.org/drawingml/2006/main" xmlns:r="http://schemas.openxmlformats.org/officeDocument/2006/relationships" xmlns:p="http://schemas.openxmlformats.org/presentationml/2006/main">
-  <p:cSld>
-    <p:spTree>
-      <p:nvGrpSpPr>
-        <p:cNvPr id="1" name=""/>
-        <p:cNvGrpSpPr/>
-        <p:nvPr/>
-      </p:nvGrpSpPr>
-      <p:grpSpPr>
-        <a:xfrm>
-          <a:off x="0" y="0"/>
-          <a:ext cx="0" cy="0"/>
-          <a:chOff x="0" y="0"/>
-          <a:chExt cx="0" cy="0"/>
-        </a:xfrm>
-      </p:grpSpPr>
-      <p:sp>
-        <p:nvSpPr>
-          <p:cNvPr id="2" name="Title 1"/>
-          <p:cNvSpPr>
-            <a:spLocks noGrp="1"/>
-          </p:cNvSpPr>
-          <p:nvPr>
-            <p:ph type="title"/>
-          </p:nvPr>
-        </p:nvSpPr>
-        <p:spPr/>
-        <p:txBody>
-          <a:bodyPr/>
-          <a:lstStyle/>
-          <a:p>
             <a:endParaRPr lang="en-US"/>
           </a:p>
         </p:txBody>
@@ -6895,7 +6752,7 @@
               <a:pPr>
                 <a:defRPr/>
               </a:pPr>
-              <a:t>26</a:t>
+              <a:t>25</a:t>
             </a:fld>
             <a:endParaRPr lang="en-US" dirty="0"/>
           </a:p>
@@ -6951,7 +6808,7 @@
 </p:sld>
 </file>
 
-<file path=ppt/slides/slide27.xml><?xml version="1.0" encoding="utf-8"?>
+<file path=ppt/slides/slide26.xml><?xml version="1.0" encoding="utf-8"?>
 <p:sld xmlns:a="http://schemas.openxmlformats.org/drawingml/2006/main" xmlns:r="http://schemas.openxmlformats.org/officeDocument/2006/relationships" xmlns:p="http://schemas.openxmlformats.org/presentationml/2006/main" showMasterSp="0">
   <p:cSld>
     <p:spTree>
@@ -8839,7 +8696,7 @@
               <a:pPr>
                 <a:defRPr/>
               </a:pPr>
-              <a:t>27</a:t>
+              <a:t>26</a:t>
             </a:fld>
             <a:endParaRPr lang="en-US" dirty="0"/>
           </a:p>
@@ -10336,7 +10193,7 @@
 </p:sld>
 </file>
 
-<file path=ppt/slides/slide28.xml><?xml version="1.0" encoding="utf-8"?>
+<file path=ppt/slides/slide27.xml><?xml version="1.0" encoding="utf-8"?>
 <p:sld xmlns:a="http://schemas.openxmlformats.org/drawingml/2006/main" xmlns:r="http://schemas.openxmlformats.org/officeDocument/2006/relationships" xmlns:p="http://schemas.openxmlformats.org/presentationml/2006/main">
   <p:cSld>
     <p:spTree>
@@ -10620,7 +10477,7 @@
               <a:pPr>
                 <a:defRPr/>
               </a:pPr>
-              <a:t>28</a:t>
+              <a:t>27</a:t>
             </a:fld>
             <a:endParaRPr lang="en-US" dirty="0"/>
           </a:p>
@@ -11099,6 +10956,35 @@
           <a:chExt cx="0" cy="0"/>
         </a:xfrm>
       </p:grpSpPr>
+      <p:pic>
+        <p:nvPicPr>
+          <p:cNvPr id="3" name="Picture 2" descr="Screen shot 2011-08-02 at 9.21.22 AM.png"/>
+          <p:cNvPicPr>
+            <a:picLocks noChangeAspect="1"/>
+          </p:cNvPicPr>
+          <p:nvPr/>
+        </p:nvPicPr>
+        <p:blipFill rotWithShape="1">
+          <a:blip r:embed="rId2">
+            <a:extLst>
+              <a:ext uri="{28A0092B-C50C-407E-A947-70E740481C1C}">
+                <a14:useLocalDpi xmlns:a14="http://schemas.microsoft.com/office/drawing/2010/main" val="0"/>
+              </a:ext>
+            </a:extLst>
+          </a:blip>
+          <a:srcRect t="16465"/>
+          <a:stretch/>
+        </p:blipFill>
+        <p:spPr>
+          <a:xfrm>
+            <a:off x="0" y="3810000"/>
+            <a:ext cx="5073255" cy="3048000"/>
+          </a:xfrm>
+          <a:prstGeom prst="rect">
+            <a:avLst/>
+          </a:prstGeom>
+        </p:spPr>
+      </p:pic>
       <p:sp>
         <p:nvSpPr>
           <p:cNvPr id="2" name="Title 1"/>
@@ -11109,38 +10995,68 @@
             <p:ph type="title"/>
           </p:nvPr>
         </p:nvSpPr>
-        <p:spPr/>
+        <p:spPr>
+          <a:xfrm>
+            <a:off x="1663700" y="139700"/>
+            <a:ext cx="6946900" cy="1143000"/>
+          </a:xfrm>
+        </p:spPr>
         <p:txBody>
           <a:bodyPr/>
           <a:lstStyle/>
           <a:p>
             <a:r>
               <a:rPr lang="en-US" dirty="0" smtClean="0"/>
-              <a:t>GLOW</a:t>
+              <a:t>2 representative (different from HCC) </a:t>
+            </a:r>
+            <a:r>
+              <a:rPr lang="en-US" dirty="0" smtClean="0"/>
+              <a:t>campus </a:t>
+            </a:r>
+            <a:r>
+              <a:rPr lang="en-US" dirty="0" err="1" smtClean="0"/>
+              <a:t>Vos</a:t>
+            </a:r>
+            <a:r>
+              <a:rPr lang="en-US" dirty="0" smtClean="0"/>
+              <a:t> – Glow, </a:t>
+            </a:r>
+            <a:r>
+              <a:rPr lang="en-US" dirty="0" err="1" smtClean="0"/>
+              <a:t>GridUNESP</a:t>
             </a:r>
             <a:endParaRPr lang="en-US" dirty="0"/>
           </a:p>
         </p:txBody>
       </p:sp>
-      <p:sp>
-        <p:nvSpPr>
-          <p:cNvPr id="3" name="Content Placeholder 2"/>
-          <p:cNvSpPr>
-            <a:spLocks noGrp="1"/>
-          </p:cNvSpPr>
+      <p:pic>
+        <p:nvPicPr>
+          <p:cNvPr id="5" name="Content Placeholder 4" descr="GLOW 30 days.png"/>
+          <p:cNvPicPr>
+            <a:picLocks noGrp="1" noChangeAspect="1"/>
+          </p:cNvPicPr>
           <p:nvPr>
             <p:ph idx="1"/>
           </p:nvPr>
-        </p:nvSpPr>
-        <p:spPr/>
-        <p:txBody>
-          <a:bodyPr/>
-          <a:lstStyle/>
-          <a:p>
-            <a:endParaRPr lang="en-US"/>
-          </a:p>
-        </p:txBody>
-      </p:sp>
+        </p:nvPicPr>
+        <p:blipFill rotWithShape="1">
+          <a:blip r:embed="rId3">
+            <a:extLst>
+              <a:ext uri="{28A0092B-C50C-407E-A947-70E740481C1C}">
+                <a14:useLocalDpi xmlns:a14="http://schemas.microsoft.com/office/drawing/2010/main" val="0"/>
+              </a:ext>
+            </a:extLst>
+          </a:blip>
+          <a:srcRect t="1765" b="5338"/>
+          <a:stretch/>
+        </p:blipFill>
+        <p:spPr>
+          <a:xfrm>
+            <a:off x="3959970" y="2235200"/>
+            <a:ext cx="5184030" cy="3009900"/>
+          </a:xfrm>
+        </p:spPr>
+      </p:pic>
       <p:sp>
         <p:nvSpPr>
           <p:cNvPr id="4" name="Slide Number Placeholder 3"/>
@@ -11166,6 +11082,368 @@
               </a:pPr>
               <a:t>7</a:t>
             </a:fld>
+            <a:endParaRPr lang="en-US" dirty="0"/>
+          </a:p>
+        </p:txBody>
+      </p:sp>
+      <p:sp>
+        <p:nvSpPr>
+          <p:cNvPr id="6" name="Title 1"/>
+          <p:cNvSpPr txBox="1">
+            <a:spLocks/>
+          </p:cNvSpPr>
+          <p:nvPr/>
+        </p:nvSpPr>
+        <p:spPr bwMode="auto">
+          <a:xfrm>
+            <a:off x="6807200" y="1282700"/>
+            <a:ext cx="2184400" cy="1143000"/>
+          </a:xfrm>
+          <a:prstGeom prst="rect">
+            <a:avLst/>
+          </a:prstGeom>
+          <a:noFill/>
+          <a:ln w="9525">
+            <a:noFill/>
+            <a:miter lim="800000"/>
+            <a:headEnd/>
+            <a:tailEnd/>
+          </a:ln>
+        </p:spPr>
+        <p:txBody>
+          <a:bodyPr vert="horz" wrap="square" lIns="91440" tIns="45720" rIns="91440" bIns="45720" numCol="1" anchor="ctr" anchorCtr="0" compatLnSpc="1">
+            <a:prstTxWarp prst="textNoShape">
+              <a:avLst/>
+            </a:prstTxWarp>
+          </a:bodyPr>
+          <a:lstStyle>
+            <a:lvl1pPr algn="ctr" rtl="0" eaLnBrk="0" fontAlgn="base" hangingPunct="0">
+              <a:spcBef>
+                <a:spcPct val="0"/>
+              </a:spcBef>
+              <a:spcAft>
+                <a:spcPct val="0"/>
+              </a:spcAft>
+              <a:defRPr kumimoji="1" sz="3200">
+                <a:solidFill>
+                  <a:srgbClr val="000080"/>
+                </a:solidFill>
+                <a:latin typeface="+mj-lt"/>
+                <a:ea typeface="+mj-ea"/>
+                <a:cs typeface="ＭＳ Ｐゴシック"/>
+              </a:defRPr>
+            </a:lvl1pPr>
+            <a:lvl2pPr algn="ctr" rtl="0" eaLnBrk="0" fontAlgn="base" hangingPunct="0">
+              <a:spcBef>
+                <a:spcPct val="0"/>
+              </a:spcBef>
+              <a:spcAft>
+                <a:spcPct val="0"/>
+              </a:spcAft>
+              <a:defRPr kumimoji="1" sz="3200">
+                <a:solidFill>
+                  <a:srgbClr val="000080"/>
+                </a:solidFill>
+                <a:latin typeface="Futura" pitchFamily="16" charset="0"/>
+                <a:ea typeface="ＭＳ Ｐゴシック" pitchFamily="1" charset="-128"/>
+                <a:cs typeface="ＭＳ Ｐゴシック"/>
+              </a:defRPr>
+            </a:lvl2pPr>
+            <a:lvl3pPr algn="ctr" rtl="0" eaLnBrk="0" fontAlgn="base" hangingPunct="0">
+              <a:spcBef>
+                <a:spcPct val="0"/>
+              </a:spcBef>
+              <a:spcAft>
+                <a:spcPct val="0"/>
+              </a:spcAft>
+              <a:defRPr kumimoji="1" sz="3200">
+                <a:solidFill>
+                  <a:srgbClr val="000080"/>
+                </a:solidFill>
+                <a:latin typeface="Futura" pitchFamily="16" charset="0"/>
+                <a:ea typeface="ＭＳ Ｐゴシック" pitchFamily="1" charset="-128"/>
+                <a:cs typeface="ＭＳ Ｐゴシック"/>
+              </a:defRPr>
+            </a:lvl3pPr>
+            <a:lvl4pPr algn="ctr" rtl="0" eaLnBrk="0" fontAlgn="base" hangingPunct="0">
+              <a:spcBef>
+                <a:spcPct val="0"/>
+              </a:spcBef>
+              <a:spcAft>
+                <a:spcPct val="0"/>
+              </a:spcAft>
+              <a:defRPr kumimoji="1" sz="3200">
+                <a:solidFill>
+                  <a:srgbClr val="000080"/>
+                </a:solidFill>
+                <a:latin typeface="Futura" pitchFamily="16" charset="0"/>
+                <a:ea typeface="ＭＳ Ｐゴシック" pitchFamily="1" charset="-128"/>
+                <a:cs typeface="ＭＳ Ｐゴシック"/>
+              </a:defRPr>
+            </a:lvl4pPr>
+            <a:lvl5pPr algn="ctr" rtl="0" eaLnBrk="0" fontAlgn="base" hangingPunct="0">
+              <a:spcBef>
+                <a:spcPct val="0"/>
+              </a:spcBef>
+              <a:spcAft>
+                <a:spcPct val="0"/>
+              </a:spcAft>
+              <a:defRPr kumimoji="1" sz="3200">
+                <a:solidFill>
+                  <a:srgbClr val="000080"/>
+                </a:solidFill>
+                <a:latin typeface="Futura" pitchFamily="16" charset="0"/>
+                <a:ea typeface="ＭＳ Ｐゴシック" pitchFamily="1" charset="-128"/>
+                <a:cs typeface="ＭＳ Ｐゴシック"/>
+              </a:defRPr>
+            </a:lvl5pPr>
+            <a:lvl6pPr marL="457200" algn="ctr" rtl="0" fontAlgn="base">
+              <a:spcBef>
+                <a:spcPct val="0"/>
+              </a:spcBef>
+              <a:spcAft>
+                <a:spcPct val="0"/>
+              </a:spcAft>
+              <a:defRPr kumimoji="1" sz="3200">
+                <a:solidFill>
+                  <a:srgbClr val="000080"/>
+                </a:solidFill>
+                <a:latin typeface="Futura" pitchFamily="16" charset="0"/>
+                <a:ea typeface="ＭＳ Ｐゴシック" pitchFamily="1" charset="-128"/>
+              </a:defRPr>
+            </a:lvl6pPr>
+            <a:lvl7pPr marL="914400" algn="ctr" rtl="0" fontAlgn="base">
+              <a:spcBef>
+                <a:spcPct val="0"/>
+              </a:spcBef>
+              <a:spcAft>
+                <a:spcPct val="0"/>
+              </a:spcAft>
+              <a:defRPr kumimoji="1" sz="3200">
+                <a:solidFill>
+                  <a:srgbClr val="000080"/>
+                </a:solidFill>
+                <a:latin typeface="Futura" pitchFamily="16" charset="0"/>
+                <a:ea typeface="ＭＳ Ｐゴシック" pitchFamily="1" charset="-128"/>
+              </a:defRPr>
+            </a:lvl7pPr>
+            <a:lvl8pPr marL="1371600" algn="ctr" rtl="0" fontAlgn="base">
+              <a:spcBef>
+                <a:spcPct val="0"/>
+              </a:spcBef>
+              <a:spcAft>
+                <a:spcPct val="0"/>
+              </a:spcAft>
+              <a:defRPr kumimoji="1" sz="3200">
+                <a:solidFill>
+                  <a:srgbClr val="000080"/>
+                </a:solidFill>
+                <a:latin typeface="Futura" pitchFamily="16" charset="0"/>
+                <a:ea typeface="ＭＳ Ｐゴシック" pitchFamily="1" charset="-128"/>
+              </a:defRPr>
+            </a:lvl8pPr>
+            <a:lvl9pPr marL="1828800" algn="ctr" rtl="0" fontAlgn="base">
+              <a:spcBef>
+                <a:spcPct val="0"/>
+              </a:spcBef>
+              <a:spcAft>
+                <a:spcPct val="0"/>
+              </a:spcAft>
+              <a:defRPr kumimoji="1" sz="3200">
+                <a:solidFill>
+                  <a:srgbClr val="000080"/>
+                </a:solidFill>
+                <a:latin typeface="Futura" pitchFamily="16" charset="0"/>
+                <a:ea typeface="ＭＳ Ｐゴシック" pitchFamily="1" charset="-128"/>
+              </a:defRPr>
+            </a:lvl9pPr>
+          </a:lstStyle>
+          <a:p>
+            <a:r>
+              <a:rPr lang="en-US" dirty="0" smtClean="0"/>
+              <a:t>Glow</a:t>
+            </a:r>
+            <a:endParaRPr lang="en-US" dirty="0"/>
+          </a:p>
+        </p:txBody>
+      </p:sp>
+      <p:sp>
+        <p:nvSpPr>
+          <p:cNvPr id="7" name="Title 1"/>
+          <p:cNvSpPr txBox="1">
+            <a:spLocks/>
+          </p:cNvSpPr>
+          <p:nvPr/>
+        </p:nvSpPr>
+        <p:spPr bwMode="auto">
+          <a:xfrm>
+            <a:off x="520700" y="2336800"/>
+            <a:ext cx="2298700" cy="1143000"/>
+          </a:xfrm>
+          <a:prstGeom prst="rect">
+            <a:avLst/>
+          </a:prstGeom>
+          <a:noFill/>
+          <a:ln w="9525">
+            <a:noFill/>
+            <a:miter lim="800000"/>
+            <a:headEnd/>
+            <a:tailEnd/>
+          </a:ln>
+        </p:spPr>
+        <p:txBody>
+          <a:bodyPr vert="horz" wrap="square" lIns="91440" tIns="45720" rIns="91440" bIns="45720" numCol="1" anchor="ctr" anchorCtr="0" compatLnSpc="1">
+            <a:prstTxWarp prst="textNoShape">
+              <a:avLst/>
+            </a:prstTxWarp>
+          </a:bodyPr>
+          <a:lstStyle>
+            <a:lvl1pPr algn="ctr" rtl="0" eaLnBrk="0" fontAlgn="base" hangingPunct="0">
+              <a:spcBef>
+                <a:spcPct val="0"/>
+              </a:spcBef>
+              <a:spcAft>
+                <a:spcPct val="0"/>
+              </a:spcAft>
+              <a:defRPr kumimoji="1" sz="3200">
+                <a:solidFill>
+                  <a:srgbClr val="000080"/>
+                </a:solidFill>
+                <a:latin typeface="+mj-lt"/>
+                <a:ea typeface="+mj-ea"/>
+                <a:cs typeface="ＭＳ Ｐゴシック"/>
+              </a:defRPr>
+            </a:lvl1pPr>
+            <a:lvl2pPr algn="ctr" rtl="0" eaLnBrk="0" fontAlgn="base" hangingPunct="0">
+              <a:spcBef>
+                <a:spcPct val="0"/>
+              </a:spcBef>
+              <a:spcAft>
+                <a:spcPct val="0"/>
+              </a:spcAft>
+              <a:defRPr kumimoji="1" sz="3200">
+                <a:solidFill>
+                  <a:srgbClr val="000080"/>
+                </a:solidFill>
+                <a:latin typeface="Futura" pitchFamily="16" charset="0"/>
+                <a:ea typeface="ＭＳ Ｐゴシック" pitchFamily="1" charset="-128"/>
+                <a:cs typeface="ＭＳ Ｐゴシック"/>
+              </a:defRPr>
+            </a:lvl2pPr>
+            <a:lvl3pPr algn="ctr" rtl="0" eaLnBrk="0" fontAlgn="base" hangingPunct="0">
+              <a:spcBef>
+                <a:spcPct val="0"/>
+              </a:spcBef>
+              <a:spcAft>
+                <a:spcPct val="0"/>
+              </a:spcAft>
+              <a:defRPr kumimoji="1" sz="3200">
+                <a:solidFill>
+                  <a:srgbClr val="000080"/>
+                </a:solidFill>
+                <a:latin typeface="Futura" pitchFamily="16" charset="0"/>
+                <a:ea typeface="ＭＳ Ｐゴシック" pitchFamily="1" charset="-128"/>
+                <a:cs typeface="ＭＳ Ｐゴシック"/>
+              </a:defRPr>
+            </a:lvl3pPr>
+            <a:lvl4pPr algn="ctr" rtl="0" eaLnBrk="0" fontAlgn="base" hangingPunct="0">
+              <a:spcBef>
+                <a:spcPct val="0"/>
+              </a:spcBef>
+              <a:spcAft>
+                <a:spcPct val="0"/>
+              </a:spcAft>
+              <a:defRPr kumimoji="1" sz="3200">
+                <a:solidFill>
+                  <a:srgbClr val="000080"/>
+                </a:solidFill>
+                <a:latin typeface="Futura" pitchFamily="16" charset="0"/>
+                <a:ea typeface="ＭＳ Ｐゴシック" pitchFamily="1" charset="-128"/>
+                <a:cs typeface="ＭＳ Ｐゴシック"/>
+              </a:defRPr>
+            </a:lvl4pPr>
+            <a:lvl5pPr algn="ctr" rtl="0" eaLnBrk="0" fontAlgn="base" hangingPunct="0">
+              <a:spcBef>
+                <a:spcPct val="0"/>
+              </a:spcBef>
+              <a:spcAft>
+                <a:spcPct val="0"/>
+              </a:spcAft>
+              <a:defRPr kumimoji="1" sz="3200">
+                <a:solidFill>
+                  <a:srgbClr val="000080"/>
+                </a:solidFill>
+                <a:latin typeface="Futura" pitchFamily="16" charset="0"/>
+                <a:ea typeface="ＭＳ Ｐゴシック" pitchFamily="1" charset="-128"/>
+                <a:cs typeface="ＭＳ Ｐゴシック"/>
+              </a:defRPr>
+            </a:lvl5pPr>
+            <a:lvl6pPr marL="457200" algn="ctr" rtl="0" fontAlgn="base">
+              <a:spcBef>
+                <a:spcPct val="0"/>
+              </a:spcBef>
+              <a:spcAft>
+                <a:spcPct val="0"/>
+              </a:spcAft>
+              <a:defRPr kumimoji="1" sz="3200">
+                <a:solidFill>
+                  <a:srgbClr val="000080"/>
+                </a:solidFill>
+                <a:latin typeface="Futura" pitchFamily="16" charset="0"/>
+                <a:ea typeface="ＭＳ Ｐゴシック" pitchFamily="1" charset="-128"/>
+              </a:defRPr>
+            </a:lvl6pPr>
+            <a:lvl7pPr marL="914400" algn="ctr" rtl="0" fontAlgn="base">
+              <a:spcBef>
+                <a:spcPct val="0"/>
+              </a:spcBef>
+              <a:spcAft>
+                <a:spcPct val="0"/>
+              </a:spcAft>
+              <a:defRPr kumimoji="1" sz="3200">
+                <a:solidFill>
+                  <a:srgbClr val="000080"/>
+                </a:solidFill>
+                <a:latin typeface="Futura" pitchFamily="16" charset="0"/>
+                <a:ea typeface="ＭＳ Ｐゴシック" pitchFamily="1" charset="-128"/>
+              </a:defRPr>
+            </a:lvl7pPr>
+            <a:lvl8pPr marL="1371600" algn="ctr" rtl="0" fontAlgn="base">
+              <a:spcBef>
+                <a:spcPct val="0"/>
+              </a:spcBef>
+              <a:spcAft>
+                <a:spcPct val="0"/>
+              </a:spcAft>
+              <a:defRPr kumimoji="1" sz="3200">
+                <a:solidFill>
+                  <a:srgbClr val="000080"/>
+                </a:solidFill>
+                <a:latin typeface="Futura" pitchFamily="16" charset="0"/>
+                <a:ea typeface="ＭＳ Ｐゴシック" pitchFamily="1" charset="-128"/>
+              </a:defRPr>
+            </a:lvl8pPr>
+            <a:lvl9pPr marL="1828800" algn="ctr" rtl="0" fontAlgn="base">
+              <a:spcBef>
+                <a:spcPct val="0"/>
+              </a:spcBef>
+              <a:spcAft>
+                <a:spcPct val="0"/>
+              </a:spcAft>
+              <a:defRPr kumimoji="1" sz="3200">
+                <a:solidFill>
+                  <a:srgbClr val="000080"/>
+                </a:solidFill>
+                <a:latin typeface="Futura" pitchFamily="16" charset="0"/>
+                <a:ea typeface="ＭＳ Ｐゴシック" pitchFamily="1" charset="-128"/>
+              </a:defRPr>
+            </a:lvl9pPr>
+          </a:lstStyle>
+          <a:p>
+            <a:r>
+              <a:rPr lang="en-US" dirty="0" err="1" smtClean="0"/>
+              <a:t>GridUNESP</a:t>
+            </a:r>
             <a:endParaRPr lang="en-US" dirty="0"/>
           </a:p>
         </p:txBody>
@@ -11209,29 +11487,6 @@
       </p:grpSpPr>
       <p:sp>
         <p:nvSpPr>
-          <p:cNvPr id="2" name="Title 1"/>
-          <p:cNvSpPr>
-            <a:spLocks noGrp="1"/>
-          </p:cNvSpPr>
-          <p:nvPr>
-            <p:ph type="title"/>
-          </p:nvPr>
-        </p:nvSpPr>
-        <p:spPr/>
-        <p:txBody>
-          <a:bodyPr/>
-          <a:lstStyle/>
-          <a:p>
-            <a:r>
-              <a:rPr lang="en-US" dirty="0" err="1" smtClean="0"/>
-              <a:t>GridUNESP</a:t>
-            </a:r>
-            <a:endParaRPr lang="en-US" dirty="0"/>
-          </a:p>
-        </p:txBody>
-      </p:sp>
-      <p:sp>
-        <p:nvSpPr>
           <p:cNvPr id="3" name="Content Placeholder 2"/>
           <p:cNvSpPr>
             <a:spLocks noGrp="1"/>
@@ -11245,7 +11500,38 @@
           <a:bodyPr/>
           <a:lstStyle/>
           <a:p>
-            <a:endParaRPr lang="en-US"/>
+            <a:pPr marL="0" indent="0">
+              <a:buNone/>
+            </a:pPr>
+            <a:r>
+              <a:rPr lang="en-US" dirty="0" smtClean="0"/>
+              <a:t>Proposals:</a:t>
+            </a:r>
+          </a:p>
+          <a:p>
+            <a:r>
+              <a:rPr lang="en-US" dirty="0" err="1" smtClean="0"/>
+              <a:t>InDHTC</a:t>
+            </a:r>
+            <a:r>
+              <a:rPr lang="en-US" dirty="0" smtClean="0"/>
+              <a:t> proposal to DOE ASCR SciDAC-3 Institute program has been rejected.</a:t>
+            </a:r>
+          </a:p>
+          <a:p>
+            <a:r>
+              <a:rPr lang="en-US" dirty="0" smtClean="0"/>
+              <a:t>OSG proposal for 33.3 FTE has been submitted jointly to DOE OHEP and NSF.</a:t>
+            </a:r>
+          </a:p>
+          <a:p>
+            <a:r>
+              <a:rPr lang="en-US" dirty="0" smtClean="0"/>
+              <a:t>CDIGS-2 1 year extension proposal for $200K submitted to NSF.</a:t>
+            </a:r>
+          </a:p>
+          <a:p>
+            <a:endParaRPr lang="en-US" dirty="0" smtClean="0"/>
           </a:p>
         </p:txBody>
       </p:sp>
@@ -11281,7 +11567,7 @@
     </p:spTree>
     <p:extLst>
       <p:ext uri="{BB962C8B-B14F-4D97-AF65-F5344CB8AC3E}">
-        <p14:creationId xmlns:p14="http://schemas.microsoft.com/office/powerpoint/2010/main" val="2341383962"/>
+        <p14:creationId xmlns:p14="http://schemas.microsoft.com/office/powerpoint/2010/main" val="3083146437"/>
       </p:ext>
     </p:extLst>
   </p:cSld>
@@ -11317,12 +11603,12 @@
       </p:grpSpPr>
       <p:sp>
         <p:nvSpPr>
-          <p:cNvPr id="3" name="Content Placeholder 2"/>
+          <p:cNvPr id="2" name="Title 1"/>
           <p:cNvSpPr>
             <a:spLocks noGrp="1"/>
           </p:cNvSpPr>
           <p:nvPr>
-            <p:ph idx="1"/>
+            <p:ph type="title"/>
           </p:nvPr>
         </p:nvSpPr>
         <p:spPr/>
@@ -11330,41 +11616,39 @@
           <a:bodyPr/>
           <a:lstStyle/>
           <a:p>
-            <a:pPr marL="0" indent="0">
-              <a:buNone/>
-            </a:pPr>
             <a:r>
               <a:rPr lang="en-US" dirty="0" smtClean="0"/>
-              <a:t>Proposals:</a:t>
-            </a:r>
-          </a:p>
-          <a:p>
-            <a:r>
-              <a:rPr lang="en-US" dirty="0" err="1" smtClean="0"/>
-              <a:t>InDHTC</a:t>
-            </a:r>
-            <a:r>
-              <a:rPr lang="en-US" dirty="0" smtClean="0"/>
-              <a:t> proposal to DOE ASCR SciDAC-3 Institute program has been rejected.</a:t>
-            </a:r>
-          </a:p>
-          <a:p>
-            <a:r>
-              <a:rPr lang="en-US" dirty="0" smtClean="0"/>
-              <a:t>OSG proposal for 33.3 FTE has been submitted jointly to DOE OHEP and NSF.</a:t>
-            </a:r>
-          </a:p>
-          <a:p>
-            <a:r>
-              <a:rPr lang="en-US" dirty="0" smtClean="0"/>
-              <a:t>CDIGS-2 1 year extension proposal for $200K submitted to NSF.</a:t>
-            </a:r>
-          </a:p>
-          <a:p>
-            <a:endParaRPr lang="en-US" dirty="0" smtClean="0"/>
+              <a:t>Response from ASCR:</a:t>
+            </a:r>
+            <a:endParaRPr lang="en-US" dirty="0"/>
           </a:p>
         </p:txBody>
       </p:sp>
+      <p:pic>
+        <p:nvPicPr>
+          <p:cNvPr id="5" name="Content Placeholder 4" descr="Screen shot 2011-07-29 at 11.23.43 PM.png"/>
+          <p:cNvPicPr>
+            <a:picLocks noGrp="1" noChangeAspect="1"/>
+          </p:cNvPicPr>
+          <p:nvPr>
+            <p:ph idx="1"/>
+          </p:nvPr>
+        </p:nvPicPr>
+        <p:blipFill>
+          <a:blip r:embed="rId2">
+            <a:extLst>
+              <a:ext uri="{28A0092B-C50C-407E-A947-70E740481C1C}">
+                <a14:useLocalDpi xmlns:a14="http://schemas.microsoft.com/office/drawing/2010/main" val="0"/>
+              </a:ext>
+            </a:extLst>
+          </a:blip>
+          <a:srcRect t="12110" b="12110"/>
+          <a:stretch>
+            <a:fillRect/>
+          </a:stretch>
+        </p:blipFill>
+        <p:spPr/>
+      </p:pic>
       <p:sp>
         <p:nvSpPr>
           <p:cNvPr id="4" name="Slide Number Placeholder 3"/>
@@ -11397,7 +11681,7 @@
     </p:spTree>
     <p:extLst>
       <p:ext uri="{BB962C8B-B14F-4D97-AF65-F5344CB8AC3E}">
-        <p14:creationId xmlns:p14="http://schemas.microsoft.com/office/powerpoint/2010/main" val="3083146437"/>
+        <p14:creationId xmlns:p14="http://schemas.microsoft.com/office/powerpoint/2010/main" val="525525374"/>
       </p:ext>
     </p:extLst>
   </p:cSld>

--- a/pub/Council/Agenda2011Aug2-3/ED_to_Council_Jul_2011.pptx
+++ b/pub/Council/Agenda2011Aug2-3/ED_to_Council_Jul_2011.pptx
@@ -5,10 +5,10 @@
     <p:sldMasterId id="2147483692" r:id="rId1"/>
   </p:sldMasterIdLst>
   <p:notesMasterIdLst>
-    <p:notesMasterId r:id="rId29"/>
+    <p:notesMasterId r:id="rId30"/>
   </p:notesMasterIdLst>
   <p:handoutMasterIdLst>
-    <p:handoutMasterId r:id="rId30"/>
+    <p:handoutMasterId r:id="rId31"/>
   </p:handoutMasterIdLst>
   <p:sldIdLst>
     <p:sldId id="283" r:id="rId2"/>
@@ -37,7 +37,8 @@
     <p:sldId id="278" r:id="rId25"/>
     <p:sldId id="279" r:id="rId26"/>
     <p:sldId id="281" r:id="rId27"/>
-    <p:sldId id="285" r:id="rId28"/>
+    <p:sldId id="293" r:id="rId28"/>
+    <p:sldId id="285" r:id="rId29"/>
   </p:sldIdLst>
   <p:sldSz cx="9144000" cy="6858000" type="screen4x3"/>
   <p:notesSz cx="7010400" cy="9296400"/>
@@ -10220,6 +10221,112 @@
             <p:ph type="title"/>
           </p:nvPr>
         </p:nvSpPr>
+        <p:spPr/>
+        <p:txBody>
+          <a:bodyPr/>
+          <a:lstStyle/>
+          <a:p>
+            <a:endParaRPr lang="en-US"/>
+          </a:p>
+        </p:txBody>
+      </p:sp>
+      <p:pic>
+        <p:nvPicPr>
+          <p:cNvPr id="5" name="Content Placeholder 4" descr="Screen shot 2011-08-02 at 12.56.26 PM.png"/>
+          <p:cNvPicPr>
+            <a:picLocks noGrp="1" noChangeAspect="1"/>
+          </p:cNvPicPr>
+          <p:nvPr>
+            <p:ph idx="1"/>
+          </p:nvPr>
+        </p:nvPicPr>
+        <p:blipFill rotWithShape="1">
+          <a:blip r:embed="rId2">
+            <a:extLst>
+              <a:ext uri="{28A0092B-C50C-407E-A947-70E740481C1C}">
+                <a14:useLocalDpi xmlns:a14="http://schemas.microsoft.com/office/drawing/2010/main" val="0"/>
+              </a:ext>
+            </a:extLst>
+          </a:blip>
+          <a:srcRect t="-4278" b="787"/>
+          <a:stretch/>
+        </p:blipFill>
+        <p:spPr>
+          <a:xfrm>
+            <a:off x="1524000" y="1092200"/>
+            <a:ext cx="6235700" cy="5624357"/>
+          </a:xfrm>
+        </p:spPr>
+      </p:pic>
+      <p:sp>
+        <p:nvSpPr>
+          <p:cNvPr id="4" name="Slide Number Placeholder 3"/>
+          <p:cNvSpPr>
+            <a:spLocks noGrp="1"/>
+          </p:cNvSpPr>
+          <p:nvPr>
+            <p:ph type="sldNum" sz="quarter" idx="10"/>
+          </p:nvPr>
+        </p:nvSpPr>
+        <p:spPr/>
+        <p:txBody>
+          <a:bodyPr/>
+          <a:lstStyle/>
+          <a:p>
+            <a:pPr>
+              <a:defRPr/>
+            </a:pPr>
+            <a:fld id="{038AB4BC-D760-449D-A975-B1B41586F3D1}" type="slidenum">
+              <a:rPr lang="en-US" smtClean="0"/>
+              <a:pPr>
+                <a:defRPr/>
+              </a:pPr>
+              <a:t>27</a:t>
+            </a:fld>
+            <a:endParaRPr lang="en-US" dirty="0"/>
+          </a:p>
+        </p:txBody>
+      </p:sp>
+    </p:spTree>
+    <p:extLst>
+      <p:ext uri="{BB962C8B-B14F-4D97-AF65-F5344CB8AC3E}">
+        <p14:creationId xmlns:p14="http://schemas.microsoft.com/office/powerpoint/2010/main" val="3804590779"/>
+      </p:ext>
+    </p:extLst>
+  </p:cSld>
+  <p:clrMapOvr>
+    <a:masterClrMapping/>
+  </p:clrMapOvr>
+</p:sld>
+</file>
+
+<file path=ppt/slides/slide28.xml><?xml version="1.0" encoding="utf-8"?>
+<p:sld xmlns:a="http://schemas.openxmlformats.org/drawingml/2006/main" xmlns:r="http://schemas.openxmlformats.org/officeDocument/2006/relationships" xmlns:p="http://schemas.openxmlformats.org/presentationml/2006/main">
+  <p:cSld>
+    <p:spTree>
+      <p:nvGrpSpPr>
+        <p:cNvPr id="1" name=""/>
+        <p:cNvGrpSpPr/>
+        <p:nvPr/>
+      </p:nvGrpSpPr>
+      <p:grpSpPr>
+        <a:xfrm>
+          <a:off x="0" y="0"/>
+          <a:ext cx="0" cy="0"/>
+          <a:chOff x="0" y="0"/>
+          <a:chExt cx="0" cy="0"/>
+        </a:xfrm>
+      </p:grpSpPr>
+      <p:sp>
+        <p:nvSpPr>
+          <p:cNvPr id="2" name="Title 1"/>
+          <p:cNvSpPr>
+            <a:spLocks noGrp="1"/>
+          </p:cNvSpPr>
+          <p:nvPr>
+            <p:ph type="title"/>
+          </p:nvPr>
+        </p:nvSpPr>
         <p:spPr>
           <a:xfrm>
             <a:off x="685800" y="0"/>
@@ -10477,7 +10584,7 @@
               <a:pPr>
                 <a:defRPr/>
               </a:pPr>
-              <a:t>27</a:t>
+              <a:t>28</a:t>
             </a:fld>
             <a:endParaRPr lang="en-US" dirty="0"/>
           </a:p>
@@ -11007,11 +11114,7 @@
           <a:p>
             <a:r>
               <a:rPr lang="en-US" dirty="0" smtClean="0"/>
-              <a:t>2 representative (different from HCC) </a:t>
-            </a:r>
-            <a:r>
-              <a:rPr lang="en-US" dirty="0" smtClean="0"/>
-              <a:t>campus </a:t>
+              <a:t>2 representative (different from HCC) campus </a:t>
             </a:r>
             <a:r>
               <a:rPr lang="en-US" dirty="0" err="1" smtClean="0"/>
